--- a/OfficeDungeonCrawler/Presentation.pptx
+++ b/OfficeDungeonCrawler/Presentation.pptx
@@ -6,6 +6,7 @@
   </p:sldMasterIdLst>
   <p:sldIdLst>
     <p:sldId id="256" r:id="rId2"/>
+    <p:sldId id="257" r:id="rId3"/>
   </p:sldIdLst>
   <p:sldSz cx="12192000" cy="6858000"/>
   <p:notesSz cx="6858000" cy="9144000"/>
@@ -104,6 +105,11 @@
       </a:defRPr>
     </a:lvl9pPr>
   </p:defaultTextStyle>
+  <p:extLst>
+    <p:ext uri="{EFAFB233-063F-42B5-8137-9DF3F51BA10A}">
+      <p15:sldGuideLst xmlns:p15="http://schemas.microsoft.com/office/powerpoint/2012/main"/>
+    </p:ext>
+  </p:extLst>
 </p:presentation>
 </file>
 
@@ -254,7 +260,7 @@
           <a:p>
             <a:fld id="{F3E50352-97E5-4996-A491-B48FF7DF3BCE}" type="datetimeFigureOut">
               <a:rPr lang="en-US" smtClean="0"/>
-              <a:t>4/25/2019</a:t>
+              <a:t>4/26/2019</a:t>
             </a:fld>
             <a:endParaRPr lang="en-US"/>
           </a:p>
@@ -452,7 +458,7 @@
           <a:p>
             <a:fld id="{F3E50352-97E5-4996-A491-B48FF7DF3BCE}" type="datetimeFigureOut">
               <a:rPr lang="en-US" smtClean="0"/>
-              <a:t>4/25/2019</a:t>
+              <a:t>4/26/2019</a:t>
             </a:fld>
             <a:endParaRPr lang="en-US"/>
           </a:p>
@@ -660,7 +666,7 @@
           <a:p>
             <a:fld id="{F3E50352-97E5-4996-A491-B48FF7DF3BCE}" type="datetimeFigureOut">
               <a:rPr lang="en-US" smtClean="0"/>
-              <a:t>4/25/2019</a:t>
+              <a:t>4/26/2019</a:t>
             </a:fld>
             <a:endParaRPr lang="en-US"/>
           </a:p>
@@ -858,7 +864,7 @@
           <a:p>
             <a:fld id="{F3E50352-97E5-4996-A491-B48FF7DF3BCE}" type="datetimeFigureOut">
               <a:rPr lang="en-US" smtClean="0"/>
-              <a:t>4/25/2019</a:t>
+              <a:t>4/26/2019</a:t>
             </a:fld>
             <a:endParaRPr lang="en-US"/>
           </a:p>
@@ -1133,7 +1139,7 @@
           <a:p>
             <a:fld id="{F3E50352-97E5-4996-A491-B48FF7DF3BCE}" type="datetimeFigureOut">
               <a:rPr lang="en-US" smtClean="0"/>
-              <a:t>4/25/2019</a:t>
+              <a:t>4/26/2019</a:t>
             </a:fld>
             <a:endParaRPr lang="en-US"/>
           </a:p>
@@ -1398,7 +1404,7 @@
           <a:p>
             <a:fld id="{F3E50352-97E5-4996-A491-B48FF7DF3BCE}" type="datetimeFigureOut">
               <a:rPr lang="en-US" smtClean="0"/>
-              <a:t>4/25/2019</a:t>
+              <a:t>4/26/2019</a:t>
             </a:fld>
             <a:endParaRPr lang="en-US"/>
           </a:p>
@@ -1810,7 +1816,7 @@
           <a:p>
             <a:fld id="{F3E50352-97E5-4996-A491-B48FF7DF3BCE}" type="datetimeFigureOut">
               <a:rPr lang="en-US" smtClean="0"/>
-              <a:t>4/25/2019</a:t>
+              <a:t>4/26/2019</a:t>
             </a:fld>
             <a:endParaRPr lang="en-US"/>
           </a:p>
@@ -1951,7 +1957,7 @@
           <a:p>
             <a:fld id="{F3E50352-97E5-4996-A491-B48FF7DF3BCE}" type="datetimeFigureOut">
               <a:rPr lang="en-US" smtClean="0"/>
-              <a:t>4/25/2019</a:t>
+              <a:t>4/26/2019</a:t>
             </a:fld>
             <a:endParaRPr lang="en-US"/>
           </a:p>
@@ -2064,7 +2070,7 @@
           <a:p>
             <a:fld id="{F3E50352-97E5-4996-A491-B48FF7DF3BCE}" type="datetimeFigureOut">
               <a:rPr lang="en-US" smtClean="0"/>
-              <a:t>4/25/2019</a:t>
+              <a:t>4/26/2019</a:t>
             </a:fld>
             <a:endParaRPr lang="en-US"/>
           </a:p>
@@ -2375,7 +2381,7 @@
           <a:p>
             <a:fld id="{F3E50352-97E5-4996-A491-B48FF7DF3BCE}" type="datetimeFigureOut">
               <a:rPr lang="en-US" smtClean="0"/>
-              <a:t>4/25/2019</a:t>
+              <a:t>4/26/2019</a:t>
             </a:fld>
             <a:endParaRPr lang="en-US"/>
           </a:p>
@@ -2663,7 +2669,7 @@
           <a:p>
             <a:fld id="{F3E50352-97E5-4996-A491-B48FF7DF3BCE}" type="datetimeFigureOut">
               <a:rPr lang="en-US" smtClean="0"/>
-              <a:t>4/25/2019</a:t>
+              <a:t>4/26/2019</a:t>
             </a:fld>
             <a:endParaRPr lang="en-US"/>
           </a:p>
@@ -2904,7 +2910,7 @@
           <a:p>
             <a:fld id="{F3E50352-97E5-4996-A491-B48FF7DF3BCE}" type="datetimeFigureOut">
               <a:rPr lang="en-US" smtClean="0"/>
-              <a:t>4/25/2019</a:t>
+              <a:t>4/26/2019</a:t>
             </a:fld>
             <a:endParaRPr lang="en-US"/>
           </a:p>
@@ -3401,6 +3407,1398 @@
           </a:prstGeom>
         </p:spPr>
       </p:pic>
+      <p:sp>
+        <p:nvSpPr>
+          <p:cNvPr id="4" name="Title 1">
+            <a:extLst>
+              <a:ext uri="{FF2B5EF4-FFF2-40B4-BE49-F238E27FC236}">
+                <a16:creationId xmlns:a16="http://schemas.microsoft.com/office/drawing/2014/main" id="{087ABCAC-8F2C-4E69-B340-6FF547C21466}"/>
+              </a:ext>
+            </a:extLst>
+          </p:cNvPr>
+          <p:cNvSpPr txBox="1">
+            <a:spLocks/>
+          </p:cNvSpPr>
+          <p:nvPr/>
+        </p:nvSpPr>
+        <p:spPr>
+          <a:xfrm>
+            <a:off x="838200" y="365125"/>
+            <a:ext cx="10515600" cy="1325563"/>
+          </a:xfrm>
+          <a:prstGeom prst="rect">
+            <a:avLst/>
+          </a:prstGeom>
+        </p:spPr>
+        <p:txBody>
+          <a:bodyPr vert="horz" lIns="91440" tIns="45720" rIns="91440" bIns="45720" rtlCol="0" anchor="b">
+            <a:normAutofit/>
+          </a:bodyPr>
+          <a:lstStyle>
+            <a:lvl1pPr algn="ctr" defTabSz="914400" rtl="0" eaLnBrk="1" latinLnBrk="0" hangingPunct="1">
+              <a:lnSpc>
+                <a:spcPct val="90000"/>
+              </a:lnSpc>
+              <a:spcBef>
+                <a:spcPct val="0"/>
+              </a:spcBef>
+              <a:buNone/>
+              <a:defRPr sz="6000" kern="1200">
+                <a:solidFill>
+                  <a:schemeClr val="tx1"/>
+                </a:solidFill>
+                <a:latin typeface="+mj-lt"/>
+                <a:ea typeface="+mj-ea"/>
+                <a:cs typeface="+mj-cs"/>
+              </a:defRPr>
+            </a:lvl1pPr>
+          </a:lstStyle>
+          <a:p>
+            <a:pPr algn="l"/>
+            <a:r>
+              <a:rPr lang="en-US" b="1" dirty="0">
+                <a:solidFill>
+                  <a:schemeClr val="bg1"/>
+                </a:solidFill>
+              </a:rPr>
+              <a:t>Roles</a:t>
+            </a:r>
+          </a:p>
+        </p:txBody>
+      </p:sp>
+      <p:sp>
+        <p:nvSpPr>
+          <p:cNvPr id="5" name="Content Placeholder 2">
+            <a:extLst>
+              <a:ext uri="{FF2B5EF4-FFF2-40B4-BE49-F238E27FC236}">
+                <a16:creationId xmlns:a16="http://schemas.microsoft.com/office/drawing/2014/main" id="{86E209E7-A72F-4731-8ADC-DAE0A1F8461A}"/>
+              </a:ext>
+            </a:extLst>
+          </p:cNvPr>
+          <p:cNvSpPr txBox="1">
+            <a:spLocks/>
+          </p:cNvSpPr>
+          <p:nvPr/>
+        </p:nvSpPr>
+        <p:spPr>
+          <a:xfrm>
+            <a:off x="838200" y="1825625"/>
+            <a:ext cx="10515600" cy="4351338"/>
+          </a:xfrm>
+          <a:prstGeom prst="rect">
+            <a:avLst/>
+          </a:prstGeom>
+        </p:spPr>
+        <p:txBody>
+          <a:bodyPr vert="horz" lIns="91440" tIns="45720" rIns="91440" bIns="45720" rtlCol="0">
+            <a:normAutofit/>
+          </a:bodyPr>
+          <a:lstStyle>
+            <a:lvl1pPr marL="0" indent="0" algn="ctr" defTabSz="914400" rtl="0" eaLnBrk="1" latinLnBrk="0" hangingPunct="1">
+              <a:lnSpc>
+                <a:spcPct val="90000"/>
+              </a:lnSpc>
+              <a:spcBef>
+                <a:spcPts val="1000"/>
+              </a:spcBef>
+              <a:buFont typeface="Arial" panose="020B0604020202020204" pitchFamily="34" charset="0"/>
+              <a:buNone/>
+              <a:defRPr sz="2400" kern="1200">
+                <a:solidFill>
+                  <a:schemeClr val="tx1"/>
+                </a:solidFill>
+                <a:latin typeface="+mn-lt"/>
+                <a:ea typeface="+mn-ea"/>
+                <a:cs typeface="+mn-cs"/>
+              </a:defRPr>
+            </a:lvl1pPr>
+            <a:lvl2pPr marL="457200" indent="0" algn="ctr" defTabSz="914400" rtl="0" eaLnBrk="1" latinLnBrk="0" hangingPunct="1">
+              <a:lnSpc>
+                <a:spcPct val="90000"/>
+              </a:lnSpc>
+              <a:spcBef>
+                <a:spcPts val="500"/>
+              </a:spcBef>
+              <a:buFont typeface="Arial" panose="020B0604020202020204" pitchFamily="34" charset="0"/>
+              <a:buNone/>
+              <a:defRPr sz="2000" kern="1200">
+                <a:solidFill>
+                  <a:schemeClr val="tx1"/>
+                </a:solidFill>
+                <a:latin typeface="+mn-lt"/>
+                <a:ea typeface="+mn-ea"/>
+                <a:cs typeface="+mn-cs"/>
+              </a:defRPr>
+            </a:lvl2pPr>
+            <a:lvl3pPr marL="914400" indent="0" algn="ctr" defTabSz="914400" rtl="0" eaLnBrk="1" latinLnBrk="0" hangingPunct="1">
+              <a:lnSpc>
+                <a:spcPct val="90000"/>
+              </a:lnSpc>
+              <a:spcBef>
+                <a:spcPts val="500"/>
+              </a:spcBef>
+              <a:buFont typeface="Arial" panose="020B0604020202020204" pitchFamily="34" charset="0"/>
+              <a:buNone/>
+              <a:defRPr sz="1800" kern="1200">
+                <a:solidFill>
+                  <a:schemeClr val="tx1"/>
+                </a:solidFill>
+                <a:latin typeface="+mn-lt"/>
+                <a:ea typeface="+mn-ea"/>
+                <a:cs typeface="+mn-cs"/>
+              </a:defRPr>
+            </a:lvl3pPr>
+            <a:lvl4pPr marL="1371600" indent="0" algn="ctr" defTabSz="914400" rtl="0" eaLnBrk="1" latinLnBrk="0" hangingPunct="1">
+              <a:lnSpc>
+                <a:spcPct val="90000"/>
+              </a:lnSpc>
+              <a:spcBef>
+                <a:spcPts val="500"/>
+              </a:spcBef>
+              <a:buFont typeface="Arial" panose="020B0604020202020204" pitchFamily="34" charset="0"/>
+              <a:buNone/>
+              <a:defRPr sz="1600" kern="1200">
+                <a:solidFill>
+                  <a:schemeClr val="tx1"/>
+                </a:solidFill>
+                <a:latin typeface="+mn-lt"/>
+                <a:ea typeface="+mn-ea"/>
+                <a:cs typeface="+mn-cs"/>
+              </a:defRPr>
+            </a:lvl4pPr>
+            <a:lvl5pPr marL="1828800" indent="0" algn="ctr" defTabSz="914400" rtl="0" eaLnBrk="1" latinLnBrk="0" hangingPunct="1">
+              <a:lnSpc>
+                <a:spcPct val="90000"/>
+              </a:lnSpc>
+              <a:spcBef>
+                <a:spcPts val="500"/>
+              </a:spcBef>
+              <a:buFont typeface="Arial" panose="020B0604020202020204" pitchFamily="34" charset="0"/>
+              <a:buNone/>
+              <a:defRPr sz="1600" kern="1200">
+                <a:solidFill>
+                  <a:schemeClr val="tx1"/>
+                </a:solidFill>
+                <a:latin typeface="+mn-lt"/>
+                <a:ea typeface="+mn-ea"/>
+                <a:cs typeface="+mn-cs"/>
+              </a:defRPr>
+            </a:lvl5pPr>
+            <a:lvl6pPr marL="2286000" indent="0" algn="ctr" defTabSz="914400" rtl="0" eaLnBrk="1" latinLnBrk="0" hangingPunct="1">
+              <a:lnSpc>
+                <a:spcPct val="90000"/>
+              </a:lnSpc>
+              <a:spcBef>
+                <a:spcPts val="500"/>
+              </a:spcBef>
+              <a:buFont typeface="Arial" panose="020B0604020202020204" pitchFamily="34" charset="0"/>
+              <a:buNone/>
+              <a:defRPr sz="1600" kern="1200">
+                <a:solidFill>
+                  <a:schemeClr val="tx1"/>
+                </a:solidFill>
+                <a:latin typeface="+mn-lt"/>
+                <a:ea typeface="+mn-ea"/>
+                <a:cs typeface="+mn-cs"/>
+              </a:defRPr>
+            </a:lvl6pPr>
+            <a:lvl7pPr marL="2743200" indent="0" algn="ctr" defTabSz="914400" rtl="0" eaLnBrk="1" latinLnBrk="0" hangingPunct="1">
+              <a:lnSpc>
+                <a:spcPct val="90000"/>
+              </a:lnSpc>
+              <a:spcBef>
+                <a:spcPts val="500"/>
+              </a:spcBef>
+              <a:buFont typeface="Arial" panose="020B0604020202020204" pitchFamily="34" charset="0"/>
+              <a:buNone/>
+              <a:defRPr sz="1600" kern="1200">
+                <a:solidFill>
+                  <a:schemeClr val="tx1"/>
+                </a:solidFill>
+                <a:latin typeface="+mn-lt"/>
+                <a:ea typeface="+mn-ea"/>
+                <a:cs typeface="+mn-cs"/>
+              </a:defRPr>
+            </a:lvl7pPr>
+            <a:lvl8pPr marL="3200400" indent="0" algn="ctr" defTabSz="914400" rtl="0" eaLnBrk="1" latinLnBrk="0" hangingPunct="1">
+              <a:lnSpc>
+                <a:spcPct val="90000"/>
+              </a:lnSpc>
+              <a:spcBef>
+                <a:spcPts val="500"/>
+              </a:spcBef>
+              <a:buFont typeface="Arial" panose="020B0604020202020204" pitchFamily="34" charset="0"/>
+              <a:buNone/>
+              <a:defRPr sz="1600" kern="1200">
+                <a:solidFill>
+                  <a:schemeClr val="tx1"/>
+                </a:solidFill>
+                <a:latin typeface="+mn-lt"/>
+                <a:ea typeface="+mn-ea"/>
+                <a:cs typeface="+mn-cs"/>
+              </a:defRPr>
+            </a:lvl8pPr>
+            <a:lvl9pPr marL="3657600" indent="0" algn="ctr" defTabSz="914400" rtl="0" eaLnBrk="1" latinLnBrk="0" hangingPunct="1">
+              <a:lnSpc>
+                <a:spcPct val="90000"/>
+              </a:lnSpc>
+              <a:spcBef>
+                <a:spcPts val="500"/>
+              </a:spcBef>
+              <a:buFont typeface="Arial" panose="020B0604020202020204" pitchFamily="34" charset="0"/>
+              <a:buNone/>
+              <a:defRPr sz="1600" kern="1200">
+                <a:solidFill>
+                  <a:schemeClr val="tx1"/>
+                </a:solidFill>
+                <a:latin typeface="+mn-lt"/>
+                <a:ea typeface="+mn-ea"/>
+                <a:cs typeface="+mn-cs"/>
+              </a:defRPr>
+            </a:lvl9pPr>
+          </a:lstStyle>
+          <a:p>
+            <a:pPr marL="342900" indent="-342900" algn="l">
+              <a:buFont typeface="Arial" panose="020B0604020202020204" pitchFamily="34" charset="0"/>
+              <a:buChar char="•"/>
+            </a:pPr>
+            <a:r>
+              <a:rPr lang="en-US" dirty="0">
+                <a:solidFill>
+                  <a:schemeClr val="bg1"/>
+                </a:solidFill>
+              </a:rPr>
+              <a:t>Game Director: Luke </a:t>
+            </a:r>
+            <a:r>
+              <a:rPr lang="en-US" dirty="0" err="1">
+                <a:solidFill>
+                  <a:schemeClr val="bg1"/>
+                </a:solidFill>
+              </a:rPr>
+              <a:t>Taranowski</a:t>
+            </a:r>
+            <a:endParaRPr lang="en-US" dirty="0">
+              <a:solidFill>
+                <a:schemeClr val="bg1"/>
+              </a:solidFill>
+            </a:endParaRPr>
+          </a:p>
+          <a:p>
+            <a:pPr marL="342900" indent="-342900" algn="l">
+              <a:buFont typeface="Arial" panose="020B0604020202020204" pitchFamily="34" charset="0"/>
+              <a:buChar char="•"/>
+            </a:pPr>
+            <a:r>
+              <a:rPr lang="en-US" dirty="0">
+                <a:solidFill>
+                  <a:schemeClr val="bg1"/>
+                </a:solidFill>
+              </a:rPr>
+              <a:t>Producer: Justin Van Der </a:t>
+            </a:r>
+            <a:r>
+              <a:rPr lang="en-US" dirty="0" err="1">
+                <a:solidFill>
+                  <a:schemeClr val="bg1"/>
+                </a:solidFill>
+              </a:rPr>
+              <a:t>Sluys</a:t>
+            </a:r>
+            <a:endParaRPr lang="en-US" dirty="0">
+              <a:solidFill>
+                <a:schemeClr val="bg1"/>
+              </a:solidFill>
+            </a:endParaRPr>
+          </a:p>
+          <a:p>
+            <a:pPr marL="342900" indent="-342900" algn="l">
+              <a:buFont typeface="Arial" panose="020B0604020202020204" pitchFamily="34" charset="0"/>
+              <a:buChar char="•"/>
+            </a:pPr>
+            <a:r>
+              <a:rPr lang="en-US" dirty="0">
+                <a:solidFill>
+                  <a:schemeClr val="bg1"/>
+                </a:solidFill>
+              </a:rPr>
+              <a:t>Technical Director: Myles </a:t>
+            </a:r>
+            <a:r>
+              <a:rPr lang="en-US" dirty="0" err="1">
+                <a:solidFill>
+                  <a:schemeClr val="bg1"/>
+                </a:solidFill>
+              </a:rPr>
+              <a:t>Busig</a:t>
+            </a:r>
+            <a:endParaRPr lang="en-US" dirty="0">
+              <a:solidFill>
+                <a:schemeClr val="bg1"/>
+              </a:solidFill>
+            </a:endParaRPr>
+          </a:p>
+          <a:p>
+            <a:pPr marL="342900" indent="-342900" algn="l">
+              <a:buFont typeface="Arial" panose="020B0604020202020204" pitchFamily="34" charset="0"/>
+              <a:buChar char="•"/>
+            </a:pPr>
+            <a:r>
+              <a:rPr lang="en-US" dirty="0">
+                <a:solidFill>
+                  <a:schemeClr val="bg1"/>
+                </a:solidFill>
+              </a:rPr>
+              <a:t>Art Director: Elena </a:t>
+            </a:r>
+            <a:r>
+              <a:rPr lang="en-US" dirty="0" err="1">
+                <a:solidFill>
+                  <a:schemeClr val="bg1"/>
+                </a:solidFill>
+              </a:rPr>
+              <a:t>Schefer</a:t>
+            </a:r>
+            <a:endParaRPr lang="en-US" dirty="0">
+              <a:solidFill>
+                <a:schemeClr val="bg1"/>
+              </a:solidFill>
+            </a:endParaRPr>
+          </a:p>
+          <a:p>
+            <a:pPr marL="342900" indent="-342900" algn="l">
+              <a:buFont typeface="Arial" panose="020B0604020202020204" pitchFamily="34" charset="0"/>
+              <a:buChar char="•"/>
+            </a:pPr>
+            <a:r>
+              <a:rPr lang="en-US" dirty="0">
+                <a:solidFill>
+                  <a:schemeClr val="bg1"/>
+                </a:solidFill>
+              </a:rPr>
+              <a:t>Extra Help: Kevin </a:t>
+            </a:r>
+            <a:r>
+              <a:rPr lang="en-US" dirty="0" err="1">
+                <a:solidFill>
+                  <a:schemeClr val="bg1"/>
+                </a:solidFill>
+              </a:rPr>
+              <a:t>Panasyuk</a:t>
+            </a:r>
+            <a:endParaRPr lang="en-US" dirty="0">
+              <a:solidFill>
+                <a:schemeClr val="bg1"/>
+              </a:solidFill>
+            </a:endParaRPr>
+          </a:p>
+        </p:txBody>
+      </p:sp>
+      <p:sp>
+        <p:nvSpPr>
+          <p:cNvPr id="8" name="Title 1">
+            <a:extLst>
+              <a:ext uri="{FF2B5EF4-FFF2-40B4-BE49-F238E27FC236}">
+                <a16:creationId xmlns:a16="http://schemas.microsoft.com/office/drawing/2014/main" id="{E098941F-DB4F-4D4C-92F1-D2EECC924772}"/>
+              </a:ext>
+            </a:extLst>
+          </p:cNvPr>
+          <p:cNvSpPr txBox="1">
+            <a:spLocks/>
+          </p:cNvSpPr>
+          <p:nvPr/>
+        </p:nvSpPr>
+        <p:spPr>
+          <a:xfrm>
+            <a:off x="838199" y="423862"/>
+            <a:ext cx="10515600" cy="1325563"/>
+          </a:xfrm>
+          <a:prstGeom prst="rect">
+            <a:avLst/>
+          </a:prstGeom>
+        </p:spPr>
+        <p:txBody>
+          <a:bodyPr vert="horz" lIns="91440" tIns="45720" rIns="91440" bIns="45720" rtlCol="0" anchor="b">
+            <a:normAutofit/>
+          </a:bodyPr>
+          <a:lstStyle>
+            <a:lvl1pPr algn="ctr" defTabSz="914400" rtl="0" eaLnBrk="1" latinLnBrk="0" hangingPunct="1">
+              <a:lnSpc>
+                <a:spcPct val="90000"/>
+              </a:lnSpc>
+              <a:spcBef>
+                <a:spcPct val="0"/>
+              </a:spcBef>
+              <a:buNone/>
+              <a:defRPr sz="6000" kern="1200">
+                <a:solidFill>
+                  <a:schemeClr val="tx1"/>
+                </a:solidFill>
+                <a:latin typeface="+mj-lt"/>
+                <a:ea typeface="+mj-ea"/>
+                <a:cs typeface="+mj-cs"/>
+              </a:defRPr>
+            </a:lvl1pPr>
+          </a:lstStyle>
+          <a:p>
+            <a:pPr algn="l"/>
+            <a:r>
+              <a:rPr lang="en-US" b="1" dirty="0">
+                <a:solidFill>
+                  <a:schemeClr val="bg1"/>
+                </a:solidFill>
+              </a:rPr>
+              <a:t>High Concept</a:t>
+            </a:r>
+          </a:p>
+        </p:txBody>
+      </p:sp>
+      <p:sp>
+        <p:nvSpPr>
+          <p:cNvPr id="9" name="Content Placeholder 2">
+            <a:extLst>
+              <a:ext uri="{FF2B5EF4-FFF2-40B4-BE49-F238E27FC236}">
+                <a16:creationId xmlns:a16="http://schemas.microsoft.com/office/drawing/2014/main" id="{57826019-25A4-4749-B7A4-4FF8F533C526}"/>
+              </a:ext>
+            </a:extLst>
+          </p:cNvPr>
+          <p:cNvSpPr txBox="1">
+            <a:spLocks/>
+          </p:cNvSpPr>
+          <p:nvPr/>
+        </p:nvSpPr>
+        <p:spPr>
+          <a:xfrm>
+            <a:off x="914399" y="1800891"/>
+            <a:ext cx="10515600" cy="4351338"/>
+          </a:xfrm>
+          <a:prstGeom prst="rect">
+            <a:avLst/>
+          </a:prstGeom>
+        </p:spPr>
+        <p:txBody>
+          <a:bodyPr vert="horz" lIns="91440" tIns="45720" rIns="91440" bIns="45720" rtlCol="0">
+            <a:normAutofit/>
+          </a:bodyPr>
+          <a:lstStyle>
+            <a:lvl1pPr marL="0" indent="0" algn="ctr" defTabSz="914400" rtl="0" eaLnBrk="1" latinLnBrk="0" hangingPunct="1">
+              <a:lnSpc>
+                <a:spcPct val="90000"/>
+              </a:lnSpc>
+              <a:spcBef>
+                <a:spcPts val="1000"/>
+              </a:spcBef>
+              <a:buFont typeface="Arial" panose="020B0604020202020204" pitchFamily="34" charset="0"/>
+              <a:buNone/>
+              <a:defRPr sz="2400" kern="1200">
+                <a:solidFill>
+                  <a:schemeClr val="tx1"/>
+                </a:solidFill>
+                <a:latin typeface="+mn-lt"/>
+                <a:ea typeface="+mn-ea"/>
+                <a:cs typeface="+mn-cs"/>
+              </a:defRPr>
+            </a:lvl1pPr>
+            <a:lvl2pPr marL="457200" indent="0" algn="ctr" defTabSz="914400" rtl="0" eaLnBrk="1" latinLnBrk="0" hangingPunct="1">
+              <a:lnSpc>
+                <a:spcPct val="90000"/>
+              </a:lnSpc>
+              <a:spcBef>
+                <a:spcPts val="500"/>
+              </a:spcBef>
+              <a:buFont typeface="Arial" panose="020B0604020202020204" pitchFamily="34" charset="0"/>
+              <a:buNone/>
+              <a:defRPr sz="2000" kern="1200">
+                <a:solidFill>
+                  <a:schemeClr val="tx1"/>
+                </a:solidFill>
+                <a:latin typeface="+mn-lt"/>
+                <a:ea typeface="+mn-ea"/>
+                <a:cs typeface="+mn-cs"/>
+              </a:defRPr>
+            </a:lvl2pPr>
+            <a:lvl3pPr marL="914400" indent="0" algn="ctr" defTabSz="914400" rtl="0" eaLnBrk="1" latinLnBrk="0" hangingPunct="1">
+              <a:lnSpc>
+                <a:spcPct val="90000"/>
+              </a:lnSpc>
+              <a:spcBef>
+                <a:spcPts val="500"/>
+              </a:spcBef>
+              <a:buFont typeface="Arial" panose="020B0604020202020204" pitchFamily="34" charset="0"/>
+              <a:buNone/>
+              <a:defRPr sz="1800" kern="1200">
+                <a:solidFill>
+                  <a:schemeClr val="tx1"/>
+                </a:solidFill>
+                <a:latin typeface="+mn-lt"/>
+                <a:ea typeface="+mn-ea"/>
+                <a:cs typeface="+mn-cs"/>
+              </a:defRPr>
+            </a:lvl3pPr>
+            <a:lvl4pPr marL="1371600" indent="0" algn="ctr" defTabSz="914400" rtl="0" eaLnBrk="1" latinLnBrk="0" hangingPunct="1">
+              <a:lnSpc>
+                <a:spcPct val="90000"/>
+              </a:lnSpc>
+              <a:spcBef>
+                <a:spcPts val="500"/>
+              </a:spcBef>
+              <a:buFont typeface="Arial" panose="020B0604020202020204" pitchFamily="34" charset="0"/>
+              <a:buNone/>
+              <a:defRPr sz="1600" kern="1200">
+                <a:solidFill>
+                  <a:schemeClr val="tx1"/>
+                </a:solidFill>
+                <a:latin typeface="+mn-lt"/>
+                <a:ea typeface="+mn-ea"/>
+                <a:cs typeface="+mn-cs"/>
+              </a:defRPr>
+            </a:lvl4pPr>
+            <a:lvl5pPr marL="1828800" indent="0" algn="ctr" defTabSz="914400" rtl="0" eaLnBrk="1" latinLnBrk="0" hangingPunct="1">
+              <a:lnSpc>
+                <a:spcPct val="90000"/>
+              </a:lnSpc>
+              <a:spcBef>
+                <a:spcPts val="500"/>
+              </a:spcBef>
+              <a:buFont typeface="Arial" panose="020B0604020202020204" pitchFamily="34" charset="0"/>
+              <a:buNone/>
+              <a:defRPr sz="1600" kern="1200">
+                <a:solidFill>
+                  <a:schemeClr val="tx1"/>
+                </a:solidFill>
+                <a:latin typeface="+mn-lt"/>
+                <a:ea typeface="+mn-ea"/>
+                <a:cs typeface="+mn-cs"/>
+              </a:defRPr>
+            </a:lvl5pPr>
+            <a:lvl6pPr marL="2286000" indent="0" algn="ctr" defTabSz="914400" rtl="0" eaLnBrk="1" latinLnBrk="0" hangingPunct="1">
+              <a:lnSpc>
+                <a:spcPct val="90000"/>
+              </a:lnSpc>
+              <a:spcBef>
+                <a:spcPts val="500"/>
+              </a:spcBef>
+              <a:buFont typeface="Arial" panose="020B0604020202020204" pitchFamily="34" charset="0"/>
+              <a:buNone/>
+              <a:defRPr sz="1600" kern="1200">
+                <a:solidFill>
+                  <a:schemeClr val="tx1"/>
+                </a:solidFill>
+                <a:latin typeface="+mn-lt"/>
+                <a:ea typeface="+mn-ea"/>
+                <a:cs typeface="+mn-cs"/>
+              </a:defRPr>
+            </a:lvl6pPr>
+            <a:lvl7pPr marL="2743200" indent="0" algn="ctr" defTabSz="914400" rtl="0" eaLnBrk="1" latinLnBrk="0" hangingPunct="1">
+              <a:lnSpc>
+                <a:spcPct val="90000"/>
+              </a:lnSpc>
+              <a:spcBef>
+                <a:spcPts val="500"/>
+              </a:spcBef>
+              <a:buFont typeface="Arial" panose="020B0604020202020204" pitchFamily="34" charset="0"/>
+              <a:buNone/>
+              <a:defRPr sz="1600" kern="1200">
+                <a:solidFill>
+                  <a:schemeClr val="tx1"/>
+                </a:solidFill>
+                <a:latin typeface="+mn-lt"/>
+                <a:ea typeface="+mn-ea"/>
+                <a:cs typeface="+mn-cs"/>
+              </a:defRPr>
+            </a:lvl7pPr>
+            <a:lvl8pPr marL="3200400" indent="0" algn="ctr" defTabSz="914400" rtl="0" eaLnBrk="1" latinLnBrk="0" hangingPunct="1">
+              <a:lnSpc>
+                <a:spcPct val="90000"/>
+              </a:lnSpc>
+              <a:spcBef>
+                <a:spcPts val="500"/>
+              </a:spcBef>
+              <a:buFont typeface="Arial" panose="020B0604020202020204" pitchFamily="34" charset="0"/>
+              <a:buNone/>
+              <a:defRPr sz="1600" kern="1200">
+                <a:solidFill>
+                  <a:schemeClr val="tx1"/>
+                </a:solidFill>
+                <a:latin typeface="+mn-lt"/>
+                <a:ea typeface="+mn-ea"/>
+                <a:cs typeface="+mn-cs"/>
+              </a:defRPr>
+            </a:lvl8pPr>
+            <a:lvl9pPr marL="3657600" indent="0" algn="ctr" defTabSz="914400" rtl="0" eaLnBrk="1" latinLnBrk="0" hangingPunct="1">
+              <a:lnSpc>
+                <a:spcPct val="90000"/>
+              </a:lnSpc>
+              <a:spcBef>
+                <a:spcPts val="500"/>
+              </a:spcBef>
+              <a:buFont typeface="Arial" panose="020B0604020202020204" pitchFamily="34" charset="0"/>
+              <a:buNone/>
+              <a:defRPr sz="1600" kern="1200">
+                <a:solidFill>
+                  <a:schemeClr val="tx1"/>
+                </a:solidFill>
+                <a:latin typeface="+mn-lt"/>
+                <a:ea typeface="+mn-ea"/>
+                <a:cs typeface="+mn-cs"/>
+              </a:defRPr>
+            </a:lvl9pPr>
+          </a:lstStyle>
+          <a:p>
+            <a:pPr algn="l"/>
+            <a:r>
+              <a:rPr lang="en-US" dirty="0">
+                <a:solidFill>
+                  <a:schemeClr val="bg1"/>
+                </a:solidFill>
+              </a:rPr>
+              <a:t>In this 2D dungeon crawler, You're working overtime at your boring office job in the middle of Y2K. When all of a sudden, the clock strikes twelve and all of the machines come to life. You must fight your way through rogue office supplies and make it to safety at the top of the tower. </a:t>
+            </a:r>
+          </a:p>
+        </p:txBody>
+      </p:sp>
+      <p:sp>
+        <p:nvSpPr>
+          <p:cNvPr id="10" name="Title 1">
+            <a:extLst>
+              <a:ext uri="{FF2B5EF4-FFF2-40B4-BE49-F238E27FC236}">
+                <a16:creationId xmlns:a16="http://schemas.microsoft.com/office/drawing/2014/main" id="{69E2FFCD-9B47-4211-9B89-7222B132C1C1}"/>
+              </a:ext>
+            </a:extLst>
+          </p:cNvPr>
+          <p:cNvSpPr txBox="1">
+            <a:spLocks/>
+          </p:cNvSpPr>
+          <p:nvPr/>
+        </p:nvSpPr>
+        <p:spPr>
+          <a:xfrm>
+            <a:off x="838199" y="362294"/>
+            <a:ext cx="10515600" cy="1325563"/>
+          </a:xfrm>
+          <a:prstGeom prst="rect">
+            <a:avLst/>
+          </a:prstGeom>
+        </p:spPr>
+        <p:txBody>
+          <a:bodyPr vert="horz" lIns="91440" tIns="45720" rIns="91440" bIns="45720" rtlCol="0" anchor="b">
+            <a:normAutofit/>
+          </a:bodyPr>
+          <a:lstStyle>
+            <a:lvl1pPr algn="ctr" defTabSz="914400" rtl="0" eaLnBrk="1" latinLnBrk="0" hangingPunct="1">
+              <a:lnSpc>
+                <a:spcPct val="90000"/>
+              </a:lnSpc>
+              <a:spcBef>
+                <a:spcPct val="0"/>
+              </a:spcBef>
+              <a:buNone/>
+              <a:defRPr sz="6000" kern="1200">
+                <a:solidFill>
+                  <a:schemeClr val="tx1"/>
+                </a:solidFill>
+                <a:latin typeface="+mj-lt"/>
+                <a:ea typeface="+mj-ea"/>
+                <a:cs typeface="+mj-cs"/>
+              </a:defRPr>
+            </a:lvl1pPr>
+          </a:lstStyle>
+          <a:p>
+            <a:pPr algn="l"/>
+            <a:r>
+              <a:rPr lang="en-US" b="1" dirty="0">
+                <a:solidFill>
+                  <a:schemeClr val="bg1"/>
+                </a:solidFill>
+              </a:rPr>
+              <a:t>Mechanics</a:t>
+            </a:r>
+          </a:p>
+        </p:txBody>
+      </p:sp>
+      <p:sp>
+        <p:nvSpPr>
+          <p:cNvPr id="11" name="Content Placeholder 2">
+            <a:extLst>
+              <a:ext uri="{FF2B5EF4-FFF2-40B4-BE49-F238E27FC236}">
+                <a16:creationId xmlns:a16="http://schemas.microsoft.com/office/drawing/2014/main" id="{FE6CB932-B774-4B7B-9078-CCA5DA4574B6}"/>
+              </a:ext>
+            </a:extLst>
+          </p:cNvPr>
+          <p:cNvSpPr txBox="1">
+            <a:spLocks/>
+          </p:cNvSpPr>
+          <p:nvPr/>
+        </p:nvSpPr>
+        <p:spPr>
+          <a:xfrm>
+            <a:off x="838199" y="1802262"/>
+            <a:ext cx="10515600" cy="4351338"/>
+          </a:xfrm>
+          <a:prstGeom prst="rect">
+            <a:avLst/>
+          </a:prstGeom>
+        </p:spPr>
+        <p:txBody>
+          <a:bodyPr vert="horz" lIns="91440" tIns="45720" rIns="91440" bIns="45720" rtlCol="0">
+            <a:normAutofit/>
+          </a:bodyPr>
+          <a:lstStyle>
+            <a:lvl1pPr marL="0" indent="0" algn="ctr" defTabSz="914400" rtl="0" eaLnBrk="1" latinLnBrk="0" hangingPunct="1">
+              <a:lnSpc>
+                <a:spcPct val="90000"/>
+              </a:lnSpc>
+              <a:spcBef>
+                <a:spcPts val="1000"/>
+              </a:spcBef>
+              <a:buFont typeface="Arial" panose="020B0604020202020204" pitchFamily="34" charset="0"/>
+              <a:buNone/>
+              <a:defRPr sz="2400" kern="1200">
+                <a:solidFill>
+                  <a:schemeClr val="tx1"/>
+                </a:solidFill>
+                <a:latin typeface="+mn-lt"/>
+                <a:ea typeface="+mn-ea"/>
+                <a:cs typeface="+mn-cs"/>
+              </a:defRPr>
+            </a:lvl1pPr>
+            <a:lvl2pPr marL="457200" indent="0" algn="ctr" defTabSz="914400" rtl="0" eaLnBrk="1" latinLnBrk="0" hangingPunct="1">
+              <a:lnSpc>
+                <a:spcPct val="90000"/>
+              </a:lnSpc>
+              <a:spcBef>
+                <a:spcPts val="500"/>
+              </a:spcBef>
+              <a:buFont typeface="Arial" panose="020B0604020202020204" pitchFamily="34" charset="0"/>
+              <a:buNone/>
+              <a:defRPr sz="2000" kern="1200">
+                <a:solidFill>
+                  <a:schemeClr val="tx1"/>
+                </a:solidFill>
+                <a:latin typeface="+mn-lt"/>
+                <a:ea typeface="+mn-ea"/>
+                <a:cs typeface="+mn-cs"/>
+              </a:defRPr>
+            </a:lvl2pPr>
+            <a:lvl3pPr marL="914400" indent="0" algn="ctr" defTabSz="914400" rtl="0" eaLnBrk="1" latinLnBrk="0" hangingPunct="1">
+              <a:lnSpc>
+                <a:spcPct val="90000"/>
+              </a:lnSpc>
+              <a:spcBef>
+                <a:spcPts val="500"/>
+              </a:spcBef>
+              <a:buFont typeface="Arial" panose="020B0604020202020204" pitchFamily="34" charset="0"/>
+              <a:buNone/>
+              <a:defRPr sz="1800" kern="1200">
+                <a:solidFill>
+                  <a:schemeClr val="tx1"/>
+                </a:solidFill>
+                <a:latin typeface="+mn-lt"/>
+                <a:ea typeface="+mn-ea"/>
+                <a:cs typeface="+mn-cs"/>
+              </a:defRPr>
+            </a:lvl3pPr>
+            <a:lvl4pPr marL="1371600" indent="0" algn="ctr" defTabSz="914400" rtl="0" eaLnBrk="1" latinLnBrk="0" hangingPunct="1">
+              <a:lnSpc>
+                <a:spcPct val="90000"/>
+              </a:lnSpc>
+              <a:spcBef>
+                <a:spcPts val="500"/>
+              </a:spcBef>
+              <a:buFont typeface="Arial" panose="020B0604020202020204" pitchFamily="34" charset="0"/>
+              <a:buNone/>
+              <a:defRPr sz="1600" kern="1200">
+                <a:solidFill>
+                  <a:schemeClr val="tx1"/>
+                </a:solidFill>
+                <a:latin typeface="+mn-lt"/>
+                <a:ea typeface="+mn-ea"/>
+                <a:cs typeface="+mn-cs"/>
+              </a:defRPr>
+            </a:lvl4pPr>
+            <a:lvl5pPr marL="1828800" indent="0" algn="ctr" defTabSz="914400" rtl="0" eaLnBrk="1" latinLnBrk="0" hangingPunct="1">
+              <a:lnSpc>
+                <a:spcPct val="90000"/>
+              </a:lnSpc>
+              <a:spcBef>
+                <a:spcPts val="500"/>
+              </a:spcBef>
+              <a:buFont typeface="Arial" panose="020B0604020202020204" pitchFamily="34" charset="0"/>
+              <a:buNone/>
+              <a:defRPr sz="1600" kern="1200">
+                <a:solidFill>
+                  <a:schemeClr val="tx1"/>
+                </a:solidFill>
+                <a:latin typeface="+mn-lt"/>
+                <a:ea typeface="+mn-ea"/>
+                <a:cs typeface="+mn-cs"/>
+              </a:defRPr>
+            </a:lvl5pPr>
+            <a:lvl6pPr marL="2286000" indent="0" algn="ctr" defTabSz="914400" rtl="0" eaLnBrk="1" latinLnBrk="0" hangingPunct="1">
+              <a:lnSpc>
+                <a:spcPct val="90000"/>
+              </a:lnSpc>
+              <a:spcBef>
+                <a:spcPts val="500"/>
+              </a:spcBef>
+              <a:buFont typeface="Arial" panose="020B0604020202020204" pitchFamily="34" charset="0"/>
+              <a:buNone/>
+              <a:defRPr sz="1600" kern="1200">
+                <a:solidFill>
+                  <a:schemeClr val="tx1"/>
+                </a:solidFill>
+                <a:latin typeface="+mn-lt"/>
+                <a:ea typeface="+mn-ea"/>
+                <a:cs typeface="+mn-cs"/>
+              </a:defRPr>
+            </a:lvl6pPr>
+            <a:lvl7pPr marL="2743200" indent="0" algn="ctr" defTabSz="914400" rtl="0" eaLnBrk="1" latinLnBrk="0" hangingPunct="1">
+              <a:lnSpc>
+                <a:spcPct val="90000"/>
+              </a:lnSpc>
+              <a:spcBef>
+                <a:spcPts val="500"/>
+              </a:spcBef>
+              <a:buFont typeface="Arial" panose="020B0604020202020204" pitchFamily="34" charset="0"/>
+              <a:buNone/>
+              <a:defRPr sz="1600" kern="1200">
+                <a:solidFill>
+                  <a:schemeClr val="tx1"/>
+                </a:solidFill>
+                <a:latin typeface="+mn-lt"/>
+                <a:ea typeface="+mn-ea"/>
+                <a:cs typeface="+mn-cs"/>
+              </a:defRPr>
+            </a:lvl7pPr>
+            <a:lvl8pPr marL="3200400" indent="0" algn="ctr" defTabSz="914400" rtl="0" eaLnBrk="1" latinLnBrk="0" hangingPunct="1">
+              <a:lnSpc>
+                <a:spcPct val="90000"/>
+              </a:lnSpc>
+              <a:spcBef>
+                <a:spcPts val="500"/>
+              </a:spcBef>
+              <a:buFont typeface="Arial" panose="020B0604020202020204" pitchFamily="34" charset="0"/>
+              <a:buNone/>
+              <a:defRPr sz="1600" kern="1200">
+                <a:solidFill>
+                  <a:schemeClr val="tx1"/>
+                </a:solidFill>
+                <a:latin typeface="+mn-lt"/>
+                <a:ea typeface="+mn-ea"/>
+                <a:cs typeface="+mn-cs"/>
+              </a:defRPr>
+            </a:lvl8pPr>
+            <a:lvl9pPr marL="3657600" indent="0" algn="ctr" defTabSz="914400" rtl="0" eaLnBrk="1" latinLnBrk="0" hangingPunct="1">
+              <a:lnSpc>
+                <a:spcPct val="90000"/>
+              </a:lnSpc>
+              <a:spcBef>
+                <a:spcPts val="500"/>
+              </a:spcBef>
+              <a:buFont typeface="Arial" panose="020B0604020202020204" pitchFamily="34" charset="0"/>
+              <a:buNone/>
+              <a:defRPr sz="1600" kern="1200">
+                <a:solidFill>
+                  <a:schemeClr val="tx1"/>
+                </a:solidFill>
+                <a:latin typeface="+mn-lt"/>
+                <a:ea typeface="+mn-ea"/>
+                <a:cs typeface="+mn-cs"/>
+              </a:defRPr>
+            </a:lvl9pPr>
+          </a:lstStyle>
+          <a:p>
+            <a:pPr marL="342900" indent="-342900" algn="l">
+              <a:buFont typeface="Arial" panose="020B0604020202020204" pitchFamily="34" charset="0"/>
+              <a:buChar char="•"/>
+            </a:pPr>
+            <a:r>
+              <a:rPr lang="en-US" dirty="0">
+                <a:solidFill>
+                  <a:schemeClr val="bg1"/>
+                </a:solidFill>
+              </a:rPr>
+              <a:t>Dashing</a:t>
+            </a:r>
+          </a:p>
+          <a:p>
+            <a:pPr marL="342900" indent="-342900" algn="l">
+              <a:buFont typeface="Arial" panose="020B0604020202020204" pitchFamily="34" charset="0"/>
+              <a:buChar char="•"/>
+            </a:pPr>
+            <a:r>
+              <a:rPr lang="en-US" dirty="0">
+                <a:solidFill>
+                  <a:schemeClr val="bg1"/>
+                </a:solidFill>
+              </a:rPr>
+              <a:t>Attacking</a:t>
+            </a:r>
+          </a:p>
+          <a:p>
+            <a:pPr marL="342900" indent="-342900" algn="l">
+              <a:buFont typeface="Arial" panose="020B0604020202020204" pitchFamily="34" charset="0"/>
+              <a:buChar char="•"/>
+            </a:pPr>
+            <a:r>
+              <a:rPr lang="en-US" dirty="0">
+                <a:solidFill>
+                  <a:schemeClr val="bg1"/>
+                </a:solidFill>
+              </a:rPr>
+              <a:t>Destroying objects</a:t>
+            </a:r>
+          </a:p>
+          <a:p>
+            <a:pPr marL="342900" indent="-342900" algn="l">
+              <a:buFont typeface="Arial" panose="020B0604020202020204" pitchFamily="34" charset="0"/>
+              <a:buChar char="•"/>
+            </a:pPr>
+            <a:r>
+              <a:rPr lang="en-US" dirty="0">
+                <a:solidFill>
+                  <a:schemeClr val="bg1"/>
+                </a:solidFill>
+              </a:rPr>
+              <a:t>Inventory</a:t>
+            </a:r>
+          </a:p>
+        </p:txBody>
+      </p:sp>
+      <p:sp>
+        <p:nvSpPr>
+          <p:cNvPr id="12" name="Title 1">
+            <a:extLst>
+              <a:ext uri="{FF2B5EF4-FFF2-40B4-BE49-F238E27FC236}">
+                <a16:creationId xmlns:a16="http://schemas.microsoft.com/office/drawing/2014/main" id="{68D105AF-CFBD-4792-89D4-A8786B531767}"/>
+              </a:ext>
+            </a:extLst>
+          </p:cNvPr>
+          <p:cNvSpPr txBox="1">
+            <a:spLocks/>
+          </p:cNvSpPr>
+          <p:nvPr/>
+        </p:nvSpPr>
+        <p:spPr>
+          <a:xfrm>
+            <a:off x="914399" y="371025"/>
+            <a:ext cx="10515600" cy="1325563"/>
+          </a:xfrm>
+          <a:prstGeom prst="rect">
+            <a:avLst/>
+          </a:prstGeom>
+        </p:spPr>
+        <p:txBody>
+          <a:bodyPr vert="horz" lIns="91440" tIns="45720" rIns="91440" bIns="45720" rtlCol="0" anchor="b">
+            <a:normAutofit/>
+          </a:bodyPr>
+          <a:lstStyle>
+            <a:lvl1pPr algn="ctr" defTabSz="914400" rtl="0" eaLnBrk="1" latinLnBrk="0" hangingPunct="1">
+              <a:lnSpc>
+                <a:spcPct val="90000"/>
+              </a:lnSpc>
+              <a:spcBef>
+                <a:spcPct val="0"/>
+              </a:spcBef>
+              <a:buNone/>
+              <a:defRPr sz="6000" kern="1200">
+                <a:solidFill>
+                  <a:schemeClr val="tx1"/>
+                </a:solidFill>
+                <a:latin typeface="+mj-lt"/>
+                <a:ea typeface="+mj-ea"/>
+                <a:cs typeface="+mj-cs"/>
+              </a:defRPr>
+            </a:lvl1pPr>
+          </a:lstStyle>
+          <a:p>
+            <a:pPr algn="l"/>
+            <a:r>
+              <a:rPr lang="en-US" b="1" dirty="0">
+                <a:solidFill>
+                  <a:schemeClr val="bg1"/>
+                </a:solidFill>
+              </a:rPr>
+              <a:t>Special Thanks</a:t>
+            </a:r>
+          </a:p>
+        </p:txBody>
+      </p:sp>
+      <p:sp>
+        <p:nvSpPr>
+          <p:cNvPr id="13" name="Content Placeholder 2">
+            <a:extLst>
+              <a:ext uri="{FF2B5EF4-FFF2-40B4-BE49-F238E27FC236}">
+                <a16:creationId xmlns:a16="http://schemas.microsoft.com/office/drawing/2014/main" id="{6135ACAA-0E10-4CBC-8ECF-31095126C0EC}"/>
+              </a:ext>
+            </a:extLst>
+          </p:cNvPr>
+          <p:cNvSpPr txBox="1">
+            <a:spLocks/>
+          </p:cNvSpPr>
+          <p:nvPr/>
+        </p:nvSpPr>
+        <p:spPr>
+          <a:xfrm>
+            <a:off x="838199" y="1840257"/>
+            <a:ext cx="10515600" cy="4351338"/>
+          </a:xfrm>
+          <a:prstGeom prst="rect">
+            <a:avLst/>
+          </a:prstGeom>
+        </p:spPr>
+        <p:txBody>
+          <a:bodyPr vert="horz" lIns="91440" tIns="45720" rIns="91440" bIns="45720" rtlCol="0">
+            <a:normAutofit lnSpcReduction="10000"/>
+          </a:bodyPr>
+          <a:lstStyle>
+            <a:lvl1pPr marL="0" indent="0" algn="ctr" defTabSz="914400" rtl="0" eaLnBrk="1" latinLnBrk="0" hangingPunct="1">
+              <a:lnSpc>
+                <a:spcPct val="90000"/>
+              </a:lnSpc>
+              <a:spcBef>
+                <a:spcPts val="1000"/>
+              </a:spcBef>
+              <a:buFont typeface="Arial" panose="020B0604020202020204" pitchFamily="34" charset="0"/>
+              <a:buNone/>
+              <a:defRPr sz="2400" kern="1200">
+                <a:solidFill>
+                  <a:schemeClr val="tx1"/>
+                </a:solidFill>
+                <a:latin typeface="+mn-lt"/>
+                <a:ea typeface="+mn-ea"/>
+                <a:cs typeface="+mn-cs"/>
+              </a:defRPr>
+            </a:lvl1pPr>
+            <a:lvl2pPr marL="457200" indent="0" algn="ctr" defTabSz="914400" rtl="0" eaLnBrk="1" latinLnBrk="0" hangingPunct="1">
+              <a:lnSpc>
+                <a:spcPct val="90000"/>
+              </a:lnSpc>
+              <a:spcBef>
+                <a:spcPts val="500"/>
+              </a:spcBef>
+              <a:buFont typeface="Arial" panose="020B0604020202020204" pitchFamily="34" charset="0"/>
+              <a:buNone/>
+              <a:defRPr sz="2000" kern="1200">
+                <a:solidFill>
+                  <a:schemeClr val="tx1"/>
+                </a:solidFill>
+                <a:latin typeface="+mn-lt"/>
+                <a:ea typeface="+mn-ea"/>
+                <a:cs typeface="+mn-cs"/>
+              </a:defRPr>
+            </a:lvl2pPr>
+            <a:lvl3pPr marL="914400" indent="0" algn="ctr" defTabSz="914400" rtl="0" eaLnBrk="1" latinLnBrk="0" hangingPunct="1">
+              <a:lnSpc>
+                <a:spcPct val="90000"/>
+              </a:lnSpc>
+              <a:spcBef>
+                <a:spcPts val="500"/>
+              </a:spcBef>
+              <a:buFont typeface="Arial" panose="020B0604020202020204" pitchFamily="34" charset="0"/>
+              <a:buNone/>
+              <a:defRPr sz="1800" kern="1200">
+                <a:solidFill>
+                  <a:schemeClr val="tx1"/>
+                </a:solidFill>
+                <a:latin typeface="+mn-lt"/>
+                <a:ea typeface="+mn-ea"/>
+                <a:cs typeface="+mn-cs"/>
+              </a:defRPr>
+            </a:lvl3pPr>
+            <a:lvl4pPr marL="1371600" indent="0" algn="ctr" defTabSz="914400" rtl="0" eaLnBrk="1" latinLnBrk="0" hangingPunct="1">
+              <a:lnSpc>
+                <a:spcPct val="90000"/>
+              </a:lnSpc>
+              <a:spcBef>
+                <a:spcPts val="500"/>
+              </a:spcBef>
+              <a:buFont typeface="Arial" panose="020B0604020202020204" pitchFamily="34" charset="0"/>
+              <a:buNone/>
+              <a:defRPr sz="1600" kern="1200">
+                <a:solidFill>
+                  <a:schemeClr val="tx1"/>
+                </a:solidFill>
+                <a:latin typeface="+mn-lt"/>
+                <a:ea typeface="+mn-ea"/>
+                <a:cs typeface="+mn-cs"/>
+              </a:defRPr>
+            </a:lvl4pPr>
+            <a:lvl5pPr marL="1828800" indent="0" algn="ctr" defTabSz="914400" rtl="0" eaLnBrk="1" latinLnBrk="0" hangingPunct="1">
+              <a:lnSpc>
+                <a:spcPct val="90000"/>
+              </a:lnSpc>
+              <a:spcBef>
+                <a:spcPts val="500"/>
+              </a:spcBef>
+              <a:buFont typeface="Arial" panose="020B0604020202020204" pitchFamily="34" charset="0"/>
+              <a:buNone/>
+              <a:defRPr sz="1600" kern="1200">
+                <a:solidFill>
+                  <a:schemeClr val="tx1"/>
+                </a:solidFill>
+                <a:latin typeface="+mn-lt"/>
+                <a:ea typeface="+mn-ea"/>
+                <a:cs typeface="+mn-cs"/>
+              </a:defRPr>
+            </a:lvl5pPr>
+            <a:lvl6pPr marL="2286000" indent="0" algn="ctr" defTabSz="914400" rtl="0" eaLnBrk="1" latinLnBrk="0" hangingPunct="1">
+              <a:lnSpc>
+                <a:spcPct val="90000"/>
+              </a:lnSpc>
+              <a:spcBef>
+                <a:spcPts val="500"/>
+              </a:spcBef>
+              <a:buFont typeface="Arial" panose="020B0604020202020204" pitchFamily="34" charset="0"/>
+              <a:buNone/>
+              <a:defRPr sz="1600" kern="1200">
+                <a:solidFill>
+                  <a:schemeClr val="tx1"/>
+                </a:solidFill>
+                <a:latin typeface="+mn-lt"/>
+                <a:ea typeface="+mn-ea"/>
+                <a:cs typeface="+mn-cs"/>
+              </a:defRPr>
+            </a:lvl6pPr>
+            <a:lvl7pPr marL="2743200" indent="0" algn="ctr" defTabSz="914400" rtl="0" eaLnBrk="1" latinLnBrk="0" hangingPunct="1">
+              <a:lnSpc>
+                <a:spcPct val="90000"/>
+              </a:lnSpc>
+              <a:spcBef>
+                <a:spcPts val="500"/>
+              </a:spcBef>
+              <a:buFont typeface="Arial" panose="020B0604020202020204" pitchFamily="34" charset="0"/>
+              <a:buNone/>
+              <a:defRPr sz="1600" kern="1200">
+                <a:solidFill>
+                  <a:schemeClr val="tx1"/>
+                </a:solidFill>
+                <a:latin typeface="+mn-lt"/>
+                <a:ea typeface="+mn-ea"/>
+                <a:cs typeface="+mn-cs"/>
+              </a:defRPr>
+            </a:lvl7pPr>
+            <a:lvl8pPr marL="3200400" indent="0" algn="ctr" defTabSz="914400" rtl="0" eaLnBrk="1" latinLnBrk="0" hangingPunct="1">
+              <a:lnSpc>
+                <a:spcPct val="90000"/>
+              </a:lnSpc>
+              <a:spcBef>
+                <a:spcPts val="500"/>
+              </a:spcBef>
+              <a:buFont typeface="Arial" panose="020B0604020202020204" pitchFamily="34" charset="0"/>
+              <a:buNone/>
+              <a:defRPr sz="1600" kern="1200">
+                <a:solidFill>
+                  <a:schemeClr val="tx1"/>
+                </a:solidFill>
+                <a:latin typeface="+mn-lt"/>
+                <a:ea typeface="+mn-ea"/>
+                <a:cs typeface="+mn-cs"/>
+              </a:defRPr>
+            </a:lvl8pPr>
+            <a:lvl9pPr marL="3657600" indent="0" algn="ctr" defTabSz="914400" rtl="0" eaLnBrk="1" latinLnBrk="0" hangingPunct="1">
+              <a:lnSpc>
+                <a:spcPct val="90000"/>
+              </a:lnSpc>
+              <a:spcBef>
+                <a:spcPts val="500"/>
+              </a:spcBef>
+              <a:buFont typeface="Arial" panose="020B0604020202020204" pitchFamily="34" charset="0"/>
+              <a:buNone/>
+              <a:defRPr sz="1600" kern="1200">
+                <a:solidFill>
+                  <a:schemeClr val="tx1"/>
+                </a:solidFill>
+                <a:latin typeface="+mn-lt"/>
+                <a:ea typeface="+mn-ea"/>
+                <a:cs typeface="+mn-cs"/>
+              </a:defRPr>
+            </a:lvl9pPr>
+          </a:lstStyle>
+          <a:p>
+            <a:pPr marL="342900" indent="-342900" algn="l">
+              <a:buFont typeface="Arial" panose="020B0604020202020204" pitchFamily="34" charset="0"/>
+              <a:buChar char="•"/>
+            </a:pPr>
+            <a:r>
+              <a:rPr lang="en-US" dirty="0">
+                <a:solidFill>
+                  <a:schemeClr val="bg1"/>
+                </a:solidFill>
+              </a:rPr>
+              <a:t>Claude Comair</a:t>
+            </a:r>
+          </a:p>
+          <a:p>
+            <a:pPr marL="342900" indent="-342900" algn="l">
+              <a:buFont typeface="Arial" panose="020B0604020202020204" pitchFamily="34" charset="0"/>
+              <a:buChar char="•"/>
+            </a:pPr>
+            <a:r>
+              <a:rPr lang="en-US" dirty="0">
+                <a:solidFill>
+                  <a:schemeClr val="bg1"/>
+                </a:solidFill>
+              </a:rPr>
+              <a:t>Raymond Yan</a:t>
+            </a:r>
+          </a:p>
+          <a:p>
+            <a:pPr marL="342900" indent="-342900" algn="l">
+              <a:buFont typeface="Arial" panose="020B0604020202020204" pitchFamily="34" charset="0"/>
+              <a:buChar char="•"/>
+            </a:pPr>
+            <a:r>
+              <a:rPr lang="en-US" dirty="0">
+                <a:solidFill>
+                  <a:schemeClr val="bg1"/>
+                </a:solidFill>
+              </a:rPr>
+              <a:t>Michelle Yan</a:t>
+            </a:r>
+          </a:p>
+          <a:p>
+            <a:pPr marL="342900" indent="-342900" algn="l">
+              <a:buFont typeface="Arial" panose="020B0604020202020204" pitchFamily="34" charset="0"/>
+              <a:buChar char="•"/>
+            </a:pPr>
+            <a:r>
+              <a:rPr lang="en-US" dirty="0">
+                <a:solidFill>
+                  <a:schemeClr val="bg1"/>
+                </a:solidFill>
+              </a:rPr>
+              <a:t>Jeffrey </a:t>
+            </a:r>
+            <a:r>
+              <a:rPr lang="en-US" dirty="0" err="1">
+                <a:solidFill>
+                  <a:schemeClr val="bg1"/>
+                </a:solidFill>
+              </a:rPr>
+              <a:t>Kumley</a:t>
+            </a:r>
+            <a:endParaRPr lang="en-US" dirty="0">
+              <a:solidFill>
+                <a:schemeClr val="bg1"/>
+              </a:solidFill>
+            </a:endParaRPr>
+          </a:p>
+          <a:p>
+            <a:pPr marL="342900" indent="-342900" algn="l">
+              <a:buFont typeface="Arial" panose="020B0604020202020204" pitchFamily="34" charset="0"/>
+              <a:buChar char="•"/>
+            </a:pPr>
+            <a:r>
+              <a:rPr lang="en-US" dirty="0">
+                <a:solidFill>
+                  <a:schemeClr val="bg1"/>
+                </a:solidFill>
+              </a:rPr>
+              <a:t>Oden Ocampo</a:t>
+            </a:r>
+          </a:p>
+          <a:p>
+            <a:pPr marL="342900" indent="-342900" algn="l">
+              <a:buFont typeface="Arial" panose="020B0604020202020204" pitchFamily="34" charset="0"/>
+              <a:buChar char="•"/>
+            </a:pPr>
+            <a:r>
+              <a:rPr lang="en-US" dirty="0">
+                <a:solidFill>
+                  <a:schemeClr val="bg1"/>
+                </a:solidFill>
+              </a:rPr>
+              <a:t>Doug Zwick</a:t>
+            </a:r>
+          </a:p>
+          <a:p>
+            <a:pPr marL="342900" indent="-342900" algn="l">
+              <a:buFont typeface="Arial" panose="020B0604020202020204" pitchFamily="34" charset="0"/>
+              <a:buChar char="•"/>
+            </a:pPr>
+            <a:r>
+              <a:rPr lang="en-US" dirty="0">
+                <a:solidFill>
+                  <a:schemeClr val="bg1"/>
+                </a:solidFill>
+              </a:rPr>
+              <a:t>Chris </a:t>
+            </a:r>
+            <a:r>
+              <a:rPr lang="en-US" dirty="0" err="1">
+                <a:solidFill>
+                  <a:schemeClr val="bg1"/>
+                </a:solidFill>
+              </a:rPr>
+              <a:t>Onorati</a:t>
+            </a:r>
+            <a:endParaRPr lang="en-US" dirty="0">
+              <a:solidFill>
+                <a:schemeClr val="bg1"/>
+              </a:solidFill>
+            </a:endParaRPr>
+          </a:p>
+          <a:p>
+            <a:pPr marL="342900" indent="-342900" algn="l">
+              <a:buFont typeface="Arial" panose="020B0604020202020204" pitchFamily="34" charset="0"/>
+              <a:buChar char="•"/>
+            </a:pPr>
+            <a:r>
+              <a:rPr lang="en-US" dirty="0">
+                <a:solidFill>
+                  <a:schemeClr val="bg1"/>
+                </a:solidFill>
+              </a:rPr>
+              <a:t>Samir </a:t>
+            </a:r>
+            <a:r>
+              <a:rPr lang="en-US" dirty="0" err="1">
+                <a:solidFill>
+                  <a:schemeClr val="bg1"/>
+                </a:solidFill>
+              </a:rPr>
+              <a:t>Abou</a:t>
+            </a:r>
+            <a:r>
+              <a:rPr lang="en-US" dirty="0">
+                <a:solidFill>
+                  <a:schemeClr val="bg1"/>
+                </a:solidFill>
+              </a:rPr>
+              <a:t> Samra</a:t>
+            </a:r>
+          </a:p>
+          <a:p>
+            <a:pPr marL="342900" indent="-342900" algn="l">
+              <a:buFont typeface="Arial" panose="020B0604020202020204" pitchFamily="34" charset="0"/>
+              <a:buChar char="•"/>
+            </a:pPr>
+            <a:r>
+              <a:rPr lang="en-US" dirty="0">
+                <a:solidFill>
+                  <a:schemeClr val="bg1"/>
+                </a:solidFill>
+              </a:rPr>
+              <a:t>Vince Espino</a:t>
+            </a:r>
+          </a:p>
+          <a:p>
+            <a:pPr marL="342900" indent="-342900" algn="l">
+              <a:buFont typeface="Arial" panose="020B0604020202020204" pitchFamily="34" charset="0"/>
+              <a:buChar char="•"/>
+            </a:pPr>
+            <a:r>
+              <a:rPr lang="en-US" dirty="0">
+                <a:solidFill>
+                  <a:schemeClr val="bg1"/>
+                </a:solidFill>
+              </a:rPr>
+              <a:t>Grace Howard</a:t>
+            </a:r>
+          </a:p>
+        </p:txBody>
+      </p:sp>
     </p:spTree>
     <p:extLst>
       <p:ext uri="{BB962C8B-B14F-4D97-AF65-F5344CB8AC3E}">
@@ -3631,6 +5029,710 @@
                       </p:childTnLst>
                     </p:cTn>
                   </p:par>
+                  <p:par>
+                    <p:cTn id="23" fill="hold">
+                      <p:stCondLst>
+                        <p:cond delay="indefinite"/>
+                      </p:stCondLst>
+                      <p:childTnLst>
+                        <p:par>
+                          <p:cTn id="24" fill="hold">
+                            <p:stCondLst>
+                              <p:cond delay="0"/>
+                            </p:stCondLst>
+                            <p:childTnLst>
+                              <p:par>
+                                <p:cTn id="25" presetID="10" presetClass="entr" presetSubtype="0" fill="hold" grpId="0" nodeType="clickEffect">
+                                  <p:stCondLst>
+                                    <p:cond delay="0"/>
+                                  </p:stCondLst>
+                                  <p:childTnLst>
+                                    <p:set>
+                                      <p:cBhvr>
+                                        <p:cTn id="26" dur="1" fill="hold">
+                                          <p:stCondLst>
+                                            <p:cond delay="0"/>
+                                          </p:stCondLst>
+                                        </p:cTn>
+                                        <p:tgtEl>
+                                          <p:spTgt spid="4"/>
+                                        </p:tgtEl>
+                                        <p:attrNameLst>
+                                          <p:attrName>style.visibility</p:attrName>
+                                        </p:attrNameLst>
+                                      </p:cBhvr>
+                                      <p:to>
+                                        <p:strVal val="visible"/>
+                                      </p:to>
+                                    </p:set>
+                                    <p:animEffect transition="in" filter="fade">
+                                      <p:cBhvr>
+                                        <p:cTn id="27" dur="500"/>
+                                        <p:tgtEl>
+                                          <p:spTgt spid="4"/>
+                                        </p:tgtEl>
+                                      </p:cBhvr>
+                                    </p:animEffect>
+                                  </p:childTnLst>
+                                </p:cTn>
+                              </p:par>
+                              <p:par>
+                                <p:cTn id="28" presetID="10" presetClass="entr" presetSubtype="0" fill="hold" grpId="0" nodeType="withEffect">
+                                  <p:stCondLst>
+                                    <p:cond delay="0"/>
+                                  </p:stCondLst>
+                                  <p:childTnLst>
+                                    <p:set>
+                                      <p:cBhvr>
+                                        <p:cTn id="29" dur="1" fill="hold">
+                                          <p:stCondLst>
+                                            <p:cond delay="0"/>
+                                          </p:stCondLst>
+                                        </p:cTn>
+                                        <p:tgtEl>
+                                          <p:spTgt spid="5"/>
+                                        </p:tgtEl>
+                                        <p:attrNameLst>
+                                          <p:attrName>style.visibility</p:attrName>
+                                        </p:attrNameLst>
+                                      </p:cBhvr>
+                                      <p:to>
+                                        <p:strVal val="visible"/>
+                                      </p:to>
+                                    </p:set>
+                                    <p:animEffect transition="in" filter="fade">
+                                      <p:cBhvr>
+                                        <p:cTn id="30" dur="500"/>
+                                        <p:tgtEl>
+                                          <p:spTgt spid="5"/>
+                                        </p:tgtEl>
+                                      </p:cBhvr>
+                                    </p:animEffect>
+                                  </p:childTnLst>
+                                </p:cTn>
+                              </p:par>
+                            </p:childTnLst>
+                          </p:cTn>
+                        </p:par>
+                      </p:childTnLst>
+                    </p:cTn>
+                  </p:par>
+                  <p:par>
+                    <p:cTn id="31" fill="hold">
+                      <p:stCondLst>
+                        <p:cond delay="indefinite"/>
+                      </p:stCondLst>
+                      <p:childTnLst>
+                        <p:par>
+                          <p:cTn id="32" fill="hold">
+                            <p:stCondLst>
+                              <p:cond delay="0"/>
+                            </p:stCondLst>
+                            <p:childTnLst>
+                              <p:par>
+                                <p:cTn id="33" presetID="10" presetClass="exit" presetSubtype="0" fill="hold" grpId="1" nodeType="clickEffect">
+                                  <p:stCondLst>
+                                    <p:cond delay="0"/>
+                                  </p:stCondLst>
+                                  <p:childTnLst>
+                                    <p:animEffect transition="out" filter="fade">
+                                      <p:cBhvr>
+                                        <p:cTn id="34" dur="500"/>
+                                        <p:tgtEl>
+                                          <p:spTgt spid="4"/>
+                                        </p:tgtEl>
+                                      </p:cBhvr>
+                                    </p:animEffect>
+                                    <p:set>
+                                      <p:cBhvr>
+                                        <p:cTn id="35" dur="1" fill="hold">
+                                          <p:stCondLst>
+                                            <p:cond delay="499"/>
+                                          </p:stCondLst>
+                                        </p:cTn>
+                                        <p:tgtEl>
+                                          <p:spTgt spid="4"/>
+                                        </p:tgtEl>
+                                        <p:attrNameLst>
+                                          <p:attrName>style.visibility</p:attrName>
+                                        </p:attrNameLst>
+                                      </p:cBhvr>
+                                      <p:to>
+                                        <p:strVal val="hidden"/>
+                                      </p:to>
+                                    </p:set>
+                                  </p:childTnLst>
+                                </p:cTn>
+                              </p:par>
+                              <p:par>
+                                <p:cTn id="36" presetID="10" presetClass="exit" presetSubtype="0" fill="hold" grpId="1" nodeType="withEffect">
+                                  <p:stCondLst>
+                                    <p:cond delay="0"/>
+                                  </p:stCondLst>
+                                  <p:childTnLst>
+                                    <p:animEffect transition="out" filter="fade">
+                                      <p:cBhvr>
+                                        <p:cTn id="37" dur="500"/>
+                                        <p:tgtEl>
+                                          <p:spTgt spid="5"/>
+                                        </p:tgtEl>
+                                      </p:cBhvr>
+                                    </p:animEffect>
+                                    <p:set>
+                                      <p:cBhvr>
+                                        <p:cTn id="38" dur="1" fill="hold">
+                                          <p:stCondLst>
+                                            <p:cond delay="499"/>
+                                          </p:stCondLst>
+                                        </p:cTn>
+                                        <p:tgtEl>
+                                          <p:spTgt spid="5"/>
+                                        </p:tgtEl>
+                                        <p:attrNameLst>
+                                          <p:attrName>style.visibility</p:attrName>
+                                        </p:attrNameLst>
+                                      </p:cBhvr>
+                                      <p:to>
+                                        <p:strVal val="hidden"/>
+                                      </p:to>
+                                    </p:set>
+                                  </p:childTnLst>
+                                </p:cTn>
+                              </p:par>
+                            </p:childTnLst>
+                          </p:cTn>
+                        </p:par>
+                      </p:childTnLst>
+                    </p:cTn>
+                  </p:par>
+                  <p:par>
+                    <p:cTn id="39" fill="hold">
+                      <p:stCondLst>
+                        <p:cond delay="indefinite"/>
+                      </p:stCondLst>
+                      <p:childTnLst>
+                        <p:par>
+                          <p:cTn id="40" fill="hold">
+                            <p:stCondLst>
+                              <p:cond delay="0"/>
+                            </p:stCondLst>
+                            <p:childTnLst>
+                              <p:par>
+                                <p:cTn id="41" presetID="10" presetClass="entr" presetSubtype="0" fill="hold" grpId="0" nodeType="clickEffect">
+                                  <p:stCondLst>
+                                    <p:cond delay="0"/>
+                                  </p:stCondLst>
+                                  <p:childTnLst>
+                                    <p:set>
+                                      <p:cBhvr>
+                                        <p:cTn id="42" dur="1" fill="hold">
+                                          <p:stCondLst>
+                                            <p:cond delay="0"/>
+                                          </p:stCondLst>
+                                        </p:cTn>
+                                        <p:tgtEl>
+                                          <p:spTgt spid="9"/>
+                                        </p:tgtEl>
+                                        <p:attrNameLst>
+                                          <p:attrName>style.visibility</p:attrName>
+                                        </p:attrNameLst>
+                                      </p:cBhvr>
+                                      <p:to>
+                                        <p:strVal val="visible"/>
+                                      </p:to>
+                                    </p:set>
+                                    <p:animEffect transition="in" filter="fade">
+                                      <p:cBhvr>
+                                        <p:cTn id="43" dur="500"/>
+                                        <p:tgtEl>
+                                          <p:spTgt spid="9"/>
+                                        </p:tgtEl>
+                                      </p:cBhvr>
+                                    </p:animEffect>
+                                  </p:childTnLst>
+                                </p:cTn>
+                              </p:par>
+                              <p:par>
+                                <p:cTn id="44" presetID="10" presetClass="entr" presetSubtype="0" fill="hold" grpId="0" nodeType="withEffect">
+                                  <p:stCondLst>
+                                    <p:cond delay="0"/>
+                                  </p:stCondLst>
+                                  <p:childTnLst>
+                                    <p:set>
+                                      <p:cBhvr>
+                                        <p:cTn id="45" dur="1" fill="hold">
+                                          <p:stCondLst>
+                                            <p:cond delay="0"/>
+                                          </p:stCondLst>
+                                        </p:cTn>
+                                        <p:tgtEl>
+                                          <p:spTgt spid="8"/>
+                                        </p:tgtEl>
+                                        <p:attrNameLst>
+                                          <p:attrName>style.visibility</p:attrName>
+                                        </p:attrNameLst>
+                                      </p:cBhvr>
+                                      <p:to>
+                                        <p:strVal val="visible"/>
+                                      </p:to>
+                                    </p:set>
+                                    <p:animEffect transition="in" filter="fade">
+                                      <p:cBhvr>
+                                        <p:cTn id="46" dur="500"/>
+                                        <p:tgtEl>
+                                          <p:spTgt spid="8"/>
+                                        </p:tgtEl>
+                                      </p:cBhvr>
+                                    </p:animEffect>
+                                  </p:childTnLst>
+                                </p:cTn>
+                              </p:par>
+                            </p:childTnLst>
+                          </p:cTn>
+                        </p:par>
+                      </p:childTnLst>
+                    </p:cTn>
+                  </p:par>
+                  <p:par>
+                    <p:cTn id="47" fill="hold">
+                      <p:stCondLst>
+                        <p:cond delay="indefinite"/>
+                      </p:stCondLst>
+                      <p:childTnLst>
+                        <p:par>
+                          <p:cTn id="48" fill="hold">
+                            <p:stCondLst>
+                              <p:cond delay="0"/>
+                            </p:stCondLst>
+                            <p:childTnLst>
+                              <p:par>
+                                <p:cTn id="49" presetID="10" presetClass="exit" presetSubtype="0" fill="hold" grpId="1" nodeType="clickEffect">
+                                  <p:stCondLst>
+                                    <p:cond delay="0"/>
+                                  </p:stCondLst>
+                                  <p:childTnLst>
+                                    <p:animEffect transition="out" filter="fade">
+                                      <p:cBhvr>
+                                        <p:cTn id="50" dur="500"/>
+                                        <p:tgtEl>
+                                          <p:spTgt spid="9"/>
+                                        </p:tgtEl>
+                                      </p:cBhvr>
+                                    </p:animEffect>
+                                    <p:set>
+                                      <p:cBhvr>
+                                        <p:cTn id="51" dur="1" fill="hold">
+                                          <p:stCondLst>
+                                            <p:cond delay="499"/>
+                                          </p:stCondLst>
+                                        </p:cTn>
+                                        <p:tgtEl>
+                                          <p:spTgt spid="9"/>
+                                        </p:tgtEl>
+                                        <p:attrNameLst>
+                                          <p:attrName>style.visibility</p:attrName>
+                                        </p:attrNameLst>
+                                      </p:cBhvr>
+                                      <p:to>
+                                        <p:strVal val="hidden"/>
+                                      </p:to>
+                                    </p:set>
+                                  </p:childTnLst>
+                                </p:cTn>
+                              </p:par>
+                              <p:par>
+                                <p:cTn id="52" presetID="10" presetClass="exit" presetSubtype="0" fill="hold" grpId="1" nodeType="withEffect">
+                                  <p:stCondLst>
+                                    <p:cond delay="0"/>
+                                  </p:stCondLst>
+                                  <p:childTnLst>
+                                    <p:animEffect transition="out" filter="fade">
+                                      <p:cBhvr>
+                                        <p:cTn id="53" dur="500"/>
+                                        <p:tgtEl>
+                                          <p:spTgt spid="8"/>
+                                        </p:tgtEl>
+                                      </p:cBhvr>
+                                    </p:animEffect>
+                                    <p:set>
+                                      <p:cBhvr>
+                                        <p:cTn id="54" dur="1" fill="hold">
+                                          <p:stCondLst>
+                                            <p:cond delay="499"/>
+                                          </p:stCondLst>
+                                        </p:cTn>
+                                        <p:tgtEl>
+                                          <p:spTgt spid="8"/>
+                                        </p:tgtEl>
+                                        <p:attrNameLst>
+                                          <p:attrName>style.visibility</p:attrName>
+                                        </p:attrNameLst>
+                                      </p:cBhvr>
+                                      <p:to>
+                                        <p:strVal val="hidden"/>
+                                      </p:to>
+                                    </p:set>
+                                  </p:childTnLst>
+                                </p:cTn>
+                              </p:par>
+                            </p:childTnLst>
+                          </p:cTn>
+                        </p:par>
+                      </p:childTnLst>
+                    </p:cTn>
+                  </p:par>
+                  <p:par>
+                    <p:cTn id="55" fill="hold">
+                      <p:stCondLst>
+                        <p:cond delay="indefinite"/>
+                      </p:stCondLst>
+                      <p:childTnLst>
+                        <p:par>
+                          <p:cTn id="56" fill="hold">
+                            <p:stCondLst>
+                              <p:cond delay="0"/>
+                            </p:stCondLst>
+                            <p:childTnLst>
+                              <p:par>
+                                <p:cTn id="57" presetID="10" presetClass="entr" presetSubtype="0" fill="hold" grpId="0" nodeType="clickEffect">
+                                  <p:stCondLst>
+                                    <p:cond delay="0"/>
+                                  </p:stCondLst>
+                                  <p:childTnLst>
+                                    <p:set>
+                                      <p:cBhvr>
+                                        <p:cTn id="58" dur="1" fill="hold">
+                                          <p:stCondLst>
+                                            <p:cond delay="0"/>
+                                          </p:stCondLst>
+                                        </p:cTn>
+                                        <p:tgtEl>
+                                          <p:spTgt spid="10"/>
+                                        </p:tgtEl>
+                                        <p:attrNameLst>
+                                          <p:attrName>style.visibility</p:attrName>
+                                        </p:attrNameLst>
+                                      </p:cBhvr>
+                                      <p:to>
+                                        <p:strVal val="visible"/>
+                                      </p:to>
+                                    </p:set>
+                                    <p:animEffect transition="in" filter="fade">
+                                      <p:cBhvr>
+                                        <p:cTn id="59" dur="500"/>
+                                        <p:tgtEl>
+                                          <p:spTgt spid="10"/>
+                                        </p:tgtEl>
+                                      </p:cBhvr>
+                                    </p:animEffect>
+                                  </p:childTnLst>
+                                </p:cTn>
+                              </p:par>
+                              <p:par>
+                                <p:cTn id="60" presetID="10" presetClass="entr" presetSubtype="0" fill="hold" grpId="0" nodeType="withEffect">
+                                  <p:stCondLst>
+                                    <p:cond delay="0"/>
+                                  </p:stCondLst>
+                                  <p:childTnLst>
+                                    <p:set>
+                                      <p:cBhvr>
+                                        <p:cTn id="61" dur="1" fill="hold">
+                                          <p:stCondLst>
+                                            <p:cond delay="0"/>
+                                          </p:stCondLst>
+                                        </p:cTn>
+                                        <p:tgtEl>
+                                          <p:spTgt spid="11"/>
+                                        </p:tgtEl>
+                                        <p:attrNameLst>
+                                          <p:attrName>style.visibility</p:attrName>
+                                        </p:attrNameLst>
+                                      </p:cBhvr>
+                                      <p:to>
+                                        <p:strVal val="visible"/>
+                                      </p:to>
+                                    </p:set>
+                                    <p:animEffect transition="in" filter="fade">
+                                      <p:cBhvr>
+                                        <p:cTn id="62" dur="500"/>
+                                        <p:tgtEl>
+                                          <p:spTgt spid="11"/>
+                                        </p:tgtEl>
+                                      </p:cBhvr>
+                                    </p:animEffect>
+                                  </p:childTnLst>
+                                </p:cTn>
+                              </p:par>
+                            </p:childTnLst>
+                          </p:cTn>
+                        </p:par>
+                      </p:childTnLst>
+                    </p:cTn>
+                  </p:par>
+                  <p:par>
+                    <p:cTn id="63" fill="hold">
+                      <p:stCondLst>
+                        <p:cond delay="indefinite"/>
+                      </p:stCondLst>
+                      <p:childTnLst>
+                        <p:par>
+                          <p:cTn id="64" fill="hold">
+                            <p:stCondLst>
+                              <p:cond delay="0"/>
+                            </p:stCondLst>
+                            <p:childTnLst>
+                              <p:par>
+                                <p:cTn id="65" presetID="10" presetClass="exit" presetSubtype="0" fill="hold" grpId="1" nodeType="clickEffect">
+                                  <p:stCondLst>
+                                    <p:cond delay="0"/>
+                                  </p:stCondLst>
+                                  <p:childTnLst>
+                                    <p:animEffect transition="out" filter="fade">
+                                      <p:cBhvr>
+                                        <p:cTn id="66" dur="500"/>
+                                        <p:tgtEl>
+                                          <p:spTgt spid="10"/>
+                                        </p:tgtEl>
+                                      </p:cBhvr>
+                                    </p:animEffect>
+                                    <p:set>
+                                      <p:cBhvr>
+                                        <p:cTn id="67" dur="1" fill="hold">
+                                          <p:stCondLst>
+                                            <p:cond delay="499"/>
+                                          </p:stCondLst>
+                                        </p:cTn>
+                                        <p:tgtEl>
+                                          <p:spTgt spid="10"/>
+                                        </p:tgtEl>
+                                        <p:attrNameLst>
+                                          <p:attrName>style.visibility</p:attrName>
+                                        </p:attrNameLst>
+                                      </p:cBhvr>
+                                      <p:to>
+                                        <p:strVal val="hidden"/>
+                                      </p:to>
+                                    </p:set>
+                                  </p:childTnLst>
+                                </p:cTn>
+                              </p:par>
+                              <p:par>
+                                <p:cTn id="68" presetID="10" presetClass="exit" presetSubtype="0" fill="hold" grpId="1" nodeType="withEffect">
+                                  <p:stCondLst>
+                                    <p:cond delay="0"/>
+                                  </p:stCondLst>
+                                  <p:childTnLst>
+                                    <p:animEffect transition="out" filter="fade">
+                                      <p:cBhvr>
+                                        <p:cTn id="69" dur="500"/>
+                                        <p:tgtEl>
+                                          <p:spTgt spid="11"/>
+                                        </p:tgtEl>
+                                      </p:cBhvr>
+                                    </p:animEffect>
+                                    <p:set>
+                                      <p:cBhvr>
+                                        <p:cTn id="70" dur="1" fill="hold">
+                                          <p:stCondLst>
+                                            <p:cond delay="499"/>
+                                          </p:stCondLst>
+                                        </p:cTn>
+                                        <p:tgtEl>
+                                          <p:spTgt spid="11"/>
+                                        </p:tgtEl>
+                                        <p:attrNameLst>
+                                          <p:attrName>style.visibility</p:attrName>
+                                        </p:attrNameLst>
+                                      </p:cBhvr>
+                                      <p:to>
+                                        <p:strVal val="hidden"/>
+                                      </p:to>
+                                    </p:set>
+                                  </p:childTnLst>
+                                </p:cTn>
+                              </p:par>
+                            </p:childTnLst>
+                          </p:cTn>
+                        </p:par>
+                      </p:childTnLst>
+                    </p:cTn>
+                  </p:par>
+                  <p:par>
+                    <p:cTn id="71" fill="hold">
+                      <p:stCondLst>
+                        <p:cond delay="indefinite"/>
+                      </p:stCondLst>
+                      <p:childTnLst>
+                        <p:par>
+                          <p:cTn id="72" fill="hold">
+                            <p:stCondLst>
+                              <p:cond delay="0"/>
+                            </p:stCondLst>
+                            <p:childTnLst>
+                              <p:par>
+                                <p:cTn id="73" presetID="10" presetClass="entr" presetSubtype="0" fill="hold" grpId="0" nodeType="clickEffect">
+                                  <p:stCondLst>
+                                    <p:cond delay="0"/>
+                                  </p:stCondLst>
+                                  <p:childTnLst>
+                                    <p:set>
+                                      <p:cBhvr>
+                                        <p:cTn id="74" dur="1" fill="hold">
+                                          <p:stCondLst>
+                                            <p:cond delay="0"/>
+                                          </p:stCondLst>
+                                        </p:cTn>
+                                        <p:tgtEl>
+                                          <p:spTgt spid="12"/>
+                                        </p:tgtEl>
+                                        <p:attrNameLst>
+                                          <p:attrName>style.visibility</p:attrName>
+                                        </p:attrNameLst>
+                                      </p:cBhvr>
+                                      <p:to>
+                                        <p:strVal val="visible"/>
+                                      </p:to>
+                                    </p:set>
+                                    <p:animEffect transition="in" filter="fade">
+                                      <p:cBhvr>
+                                        <p:cTn id="75" dur="500"/>
+                                        <p:tgtEl>
+                                          <p:spTgt spid="12"/>
+                                        </p:tgtEl>
+                                      </p:cBhvr>
+                                    </p:animEffect>
+                                  </p:childTnLst>
+                                </p:cTn>
+                              </p:par>
+                              <p:par>
+                                <p:cTn id="76" presetID="10" presetClass="entr" presetSubtype="0" fill="hold" grpId="0" nodeType="withEffect">
+                                  <p:stCondLst>
+                                    <p:cond delay="0"/>
+                                  </p:stCondLst>
+                                  <p:childTnLst>
+                                    <p:set>
+                                      <p:cBhvr>
+                                        <p:cTn id="77" dur="1" fill="hold">
+                                          <p:stCondLst>
+                                            <p:cond delay="0"/>
+                                          </p:stCondLst>
+                                        </p:cTn>
+                                        <p:tgtEl>
+                                          <p:spTgt spid="13"/>
+                                        </p:tgtEl>
+                                        <p:attrNameLst>
+                                          <p:attrName>style.visibility</p:attrName>
+                                        </p:attrNameLst>
+                                      </p:cBhvr>
+                                      <p:to>
+                                        <p:strVal val="visible"/>
+                                      </p:to>
+                                    </p:set>
+                                    <p:animEffect transition="in" filter="fade">
+                                      <p:cBhvr>
+                                        <p:cTn id="78" dur="500"/>
+                                        <p:tgtEl>
+                                          <p:spTgt spid="13"/>
+                                        </p:tgtEl>
+                                      </p:cBhvr>
+                                    </p:animEffect>
+                                  </p:childTnLst>
+                                </p:cTn>
+                              </p:par>
+                            </p:childTnLst>
+                          </p:cTn>
+                        </p:par>
+                      </p:childTnLst>
+                    </p:cTn>
+                  </p:par>
+                  <p:par>
+                    <p:cTn id="79" fill="hold">
+                      <p:stCondLst>
+                        <p:cond delay="indefinite"/>
+                      </p:stCondLst>
+                      <p:childTnLst>
+                        <p:par>
+                          <p:cTn id="80" fill="hold">
+                            <p:stCondLst>
+                              <p:cond delay="0"/>
+                            </p:stCondLst>
+                            <p:childTnLst>
+                              <p:par>
+                                <p:cTn id="81" presetID="10" presetClass="exit" presetSubtype="0" fill="hold" grpId="1" nodeType="clickEffect">
+                                  <p:stCondLst>
+                                    <p:cond delay="0"/>
+                                  </p:stCondLst>
+                                  <p:childTnLst>
+                                    <p:animEffect transition="out" filter="fade">
+                                      <p:cBhvr>
+                                        <p:cTn id="82" dur="500"/>
+                                        <p:tgtEl>
+                                          <p:spTgt spid="12"/>
+                                        </p:tgtEl>
+                                      </p:cBhvr>
+                                    </p:animEffect>
+                                    <p:set>
+                                      <p:cBhvr>
+                                        <p:cTn id="83" dur="1" fill="hold">
+                                          <p:stCondLst>
+                                            <p:cond delay="499"/>
+                                          </p:stCondLst>
+                                        </p:cTn>
+                                        <p:tgtEl>
+                                          <p:spTgt spid="12"/>
+                                        </p:tgtEl>
+                                        <p:attrNameLst>
+                                          <p:attrName>style.visibility</p:attrName>
+                                        </p:attrNameLst>
+                                      </p:cBhvr>
+                                      <p:to>
+                                        <p:strVal val="hidden"/>
+                                      </p:to>
+                                    </p:set>
+                                  </p:childTnLst>
+                                </p:cTn>
+                              </p:par>
+                              <p:par>
+                                <p:cTn id="84" presetID="10" presetClass="exit" presetSubtype="0" fill="hold" grpId="1" nodeType="withEffect">
+                                  <p:stCondLst>
+                                    <p:cond delay="0"/>
+                                  </p:stCondLst>
+                                  <p:childTnLst>
+                                    <p:animEffect transition="out" filter="fade">
+                                      <p:cBhvr>
+                                        <p:cTn id="85" dur="500"/>
+                                        <p:tgtEl>
+                                          <p:spTgt spid="13"/>
+                                        </p:tgtEl>
+                                      </p:cBhvr>
+                                    </p:animEffect>
+                                    <p:set>
+                                      <p:cBhvr>
+                                        <p:cTn id="86" dur="1" fill="hold">
+                                          <p:stCondLst>
+                                            <p:cond delay="499"/>
+                                          </p:stCondLst>
+                                        </p:cTn>
+                                        <p:tgtEl>
+                                          <p:spTgt spid="13"/>
+                                        </p:tgtEl>
+                                        <p:attrNameLst>
+                                          <p:attrName>style.visibility</p:attrName>
+                                        </p:attrNameLst>
+                                      </p:cBhvr>
+                                      <p:to>
+                                        <p:strVal val="hidden"/>
+                                      </p:to>
+                                    </p:set>
+                                  </p:childTnLst>
+                                </p:cTn>
+                              </p:par>
+                            </p:childTnLst>
+                          </p:cTn>
+                        </p:par>
+                      </p:childTnLst>
+                    </p:cTn>
+                  </p:par>
                 </p:childTnLst>
               </p:cTn>
               <p:prevCondLst>
@@ -3652,7 +5754,63 @@
         </p:cTn>
       </p:par>
     </p:tnLst>
+    <p:bldLst>
+      <p:bldP spid="4" grpId="0"/>
+      <p:bldP spid="4" grpId="1"/>
+      <p:bldP spid="5" grpId="0"/>
+      <p:bldP spid="5" grpId="1"/>
+      <p:bldP spid="8" grpId="0"/>
+      <p:bldP spid="8" grpId="1"/>
+      <p:bldP spid="9" grpId="0"/>
+      <p:bldP spid="9" grpId="1"/>
+      <p:bldP spid="10" grpId="0"/>
+      <p:bldP spid="10" grpId="1"/>
+      <p:bldP spid="11" grpId="0"/>
+      <p:bldP spid="11" grpId="1"/>
+      <p:bldP spid="12" grpId="0"/>
+      <p:bldP spid="12" grpId="1"/>
+      <p:bldP spid="13" grpId="0"/>
+      <p:bldP spid="13" grpId="1"/>
+    </p:bldLst>
   </p:timing>
+</p:sld>
+</file>
+
+<file path=ppt/slides/slide2.xml><?xml version="1.0" encoding="utf-8"?>
+<p:sld xmlns:a="http://schemas.openxmlformats.org/drawingml/2006/main" xmlns:r="http://schemas.openxmlformats.org/officeDocument/2006/relationships" xmlns:p="http://schemas.openxmlformats.org/presentationml/2006/main">
+  <p:cSld>
+    <p:bg>
+      <p:bgPr>
+        <a:solidFill>
+          <a:schemeClr val="tx1"/>
+        </a:solidFill>
+        <a:effectLst/>
+      </p:bgPr>
+    </p:bg>
+    <p:spTree>
+      <p:nvGrpSpPr>
+        <p:cNvPr id="1" name=""/>
+        <p:cNvGrpSpPr/>
+        <p:nvPr/>
+      </p:nvGrpSpPr>
+      <p:grpSpPr>
+        <a:xfrm>
+          <a:off x="0" y="0"/>
+          <a:ext cx="0" cy="0"/>
+          <a:chOff x="0" y="0"/>
+          <a:chExt cx="0" cy="0"/>
+        </a:xfrm>
+      </p:grpSpPr>
+    </p:spTree>
+    <p:extLst>
+      <p:ext uri="{BB962C8B-B14F-4D97-AF65-F5344CB8AC3E}">
+        <p14:creationId xmlns:p14="http://schemas.microsoft.com/office/powerpoint/2010/main" val="795470477"/>
+      </p:ext>
+    </p:extLst>
+  </p:cSld>
+  <p:clrMapOvr>
+    <a:masterClrMapping/>
+  </p:clrMapOvr>
 </p:sld>
 </file>
 

--- a/OfficeDungeonCrawler/Presentation.pptx
+++ b/OfficeDungeonCrawler/Presentation.pptx
@@ -6,7 +6,6 @@
   </p:sldMasterIdLst>
   <p:sldIdLst>
     <p:sldId id="256" r:id="rId2"/>
-    <p:sldId id="257" r:id="rId3"/>
   </p:sldIdLst>
   <p:sldSz cx="12192000" cy="6858000"/>
   <p:notesSz cx="6858000" cy="9144000"/>
@@ -4346,20 +4345,6 @@
                   <a:schemeClr val="bg1"/>
                 </a:solidFill>
               </a:rPr>
-              <a:t>Destroying objects</a:t>
-            </a:r>
-          </a:p>
-          <a:p>
-            <a:pPr marL="342900" indent="-342900" algn="l">
-              <a:buFont typeface="Arial" panose="020B0604020202020204" pitchFamily="34" charset="0"/>
-              <a:buChar char="•"/>
-            </a:pPr>
-            <a:r>
-              <a:rPr lang="en-US" dirty="0">
-                <a:solidFill>
-                  <a:schemeClr val="bg1"/>
-                </a:solidFill>
-              </a:rPr>
               <a:t>Inventory</a:t>
             </a:r>
           </a:p>
@@ -4367,434 +4352,39 @@
       </p:sp>
       <p:sp>
         <p:nvSpPr>
-          <p:cNvPr id="12" name="Title 1">
-            <a:extLst>
-              <a:ext uri="{FF2B5EF4-FFF2-40B4-BE49-F238E27FC236}">
-                <a16:creationId xmlns:a16="http://schemas.microsoft.com/office/drawing/2014/main" id="{68D105AF-CFBD-4792-89D4-A8786B531767}"/>
-              </a:ext>
-            </a:extLst>
-          </p:cNvPr>
-          <p:cNvSpPr txBox="1">
-            <a:spLocks/>
-          </p:cNvSpPr>
+          <p:cNvPr id="2" name="TextBox 1">
+            <a:extLst>
+              <a:ext uri="{FF2B5EF4-FFF2-40B4-BE49-F238E27FC236}">
+                <a16:creationId xmlns:a16="http://schemas.microsoft.com/office/drawing/2014/main" id="{852ABA93-D8FC-42E1-B957-DF7B0564614E}"/>
+              </a:ext>
+            </a:extLst>
+          </p:cNvPr>
+          <p:cNvSpPr txBox="1"/>
           <p:nvPr/>
         </p:nvSpPr>
         <p:spPr>
           <a:xfrm>
-            <a:off x="914399" y="371025"/>
-            <a:ext cx="10515600" cy="1325563"/>
+            <a:off x="3570204" y="2828834"/>
+            <a:ext cx="5203989" cy="1200329"/>
           </a:xfrm>
           <a:prstGeom prst="rect">
             <a:avLst/>
           </a:prstGeom>
+          <a:noFill/>
         </p:spPr>
         <p:txBody>
-          <a:bodyPr vert="horz" lIns="91440" tIns="45720" rIns="91440" bIns="45720" rtlCol="0" anchor="b">
-            <a:normAutofit/>
+          <a:bodyPr wrap="none" rtlCol="0">
+            <a:spAutoFit/>
           </a:bodyPr>
-          <a:lstStyle>
-            <a:lvl1pPr algn="ctr" defTabSz="914400" rtl="0" eaLnBrk="1" latinLnBrk="0" hangingPunct="1">
-              <a:lnSpc>
-                <a:spcPct val="90000"/>
-              </a:lnSpc>
-              <a:spcBef>
-                <a:spcPct val="0"/>
-              </a:spcBef>
-              <a:buNone/>
-              <a:defRPr sz="6000" kern="1200">
-                <a:solidFill>
-                  <a:schemeClr val="tx1"/>
-                </a:solidFill>
-                <a:latin typeface="+mj-lt"/>
-                <a:ea typeface="+mj-ea"/>
-                <a:cs typeface="+mj-cs"/>
-              </a:defRPr>
-            </a:lvl1pPr>
-          </a:lstStyle>
-          <a:p>
-            <a:pPr algn="l"/>
-            <a:r>
-              <a:rPr lang="en-US" b="1" dirty="0">
+          <a:lstStyle/>
+          <a:p>
+            <a:r>
+              <a:rPr lang="en-US" sz="7200" b="1" dirty="0">
                 <a:solidFill>
                   <a:schemeClr val="bg1"/>
                 </a:solidFill>
               </a:rPr>
-              <a:t>Special Thanks</a:t>
-            </a:r>
-          </a:p>
-        </p:txBody>
-      </p:sp>
-      <p:sp>
-        <p:nvSpPr>
-          <p:cNvPr id="13" name="Content Placeholder 2">
-            <a:extLst>
-              <a:ext uri="{FF2B5EF4-FFF2-40B4-BE49-F238E27FC236}">
-                <a16:creationId xmlns:a16="http://schemas.microsoft.com/office/drawing/2014/main" id="{6135ACAA-0E10-4CBC-8ECF-31095126C0EC}"/>
-              </a:ext>
-            </a:extLst>
-          </p:cNvPr>
-          <p:cNvSpPr txBox="1">
-            <a:spLocks/>
-          </p:cNvSpPr>
-          <p:nvPr/>
-        </p:nvSpPr>
-        <p:spPr>
-          <a:xfrm>
-            <a:off x="838199" y="1840257"/>
-            <a:ext cx="10515600" cy="4351338"/>
-          </a:xfrm>
-          <a:prstGeom prst="rect">
-            <a:avLst/>
-          </a:prstGeom>
-        </p:spPr>
-        <p:txBody>
-          <a:bodyPr vert="horz" lIns="91440" tIns="45720" rIns="91440" bIns="45720" rtlCol="0">
-            <a:normAutofit lnSpcReduction="10000"/>
-          </a:bodyPr>
-          <a:lstStyle>
-            <a:lvl1pPr marL="0" indent="0" algn="ctr" defTabSz="914400" rtl="0" eaLnBrk="1" latinLnBrk="0" hangingPunct="1">
-              <a:lnSpc>
-                <a:spcPct val="90000"/>
-              </a:lnSpc>
-              <a:spcBef>
-                <a:spcPts val="1000"/>
-              </a:spcBef>
-              <a:buFont typeface="Arial" panose="020B0604020202020204" pitchFamily="34" charset="0"/>
-              <a:buNone/>
-              <a:defRPr sz="2400" kern="1200">
-                <a:solidFill>
-                  <a:schemeClr val="tx1"/>
-                </a:solidFill>
-                <a:latin typeface="+mn-lt"/>
-                <a:ea typeface="+mn-ea"/>
-                <a:cs typeface="+mn-cs"/>
-              </a:defRPr>
-            </a:lvl1pPr>
-            <a:lvl2pPr marL="457200" indent="0" algn="ctr" defTabSz="914400" rtl="0" eaLnBrk="1" latinLnBrk="0" hangingPunct="1">
-              <a:lnSpc>
-                <a:spcPct val="90000"/>
-              </a:lnSpc>
-              <a:spcBef>
-                <a:spcPts val="500"/>
-              </a:spcBef>
-              <a:buFont typeface="Arial" panose="020B0604020202020204" pitchFamily="34" charset="0"/>
-              <a:buNone/>
-              <a:defRPr sz="2000" kern="1200">
-                <a:solidFill>
-                  <a:schemeClr val="tx1"/>
-                </a:solidFill>
-                <a:latin typeface="+mn-lt"/>
-                <a:ea typeface="+mn-ea"/>
-                <a:cs typeface="+mn-cs"/>
-              </a:defRPr>
-            </a:lvl2pPr>
-            <a:lvl3pPr marL="914400" indent="0" algn="ctr" defTabSz="914400" rtl="0" eaLnBrk="1" latinLnBrk="0" hangingPunct="1">
-              <a:lnSpc>
-                <a:spcPct val="90000"/>
-              </a:lnSpc>
-              <a:spcBef>
-                <a:spcPts val="500"/>
-              </a:spcBef>
-              <a:buFont typeface="Arial" panose="020B0604020202020204" pitchFamily="34" charset="0"/>
-              <a:buNone/>
-              <a:defRPr sz="1800" kern="1200">
-                <a:solidFill>
-                  <a:schemeClr val="tx1"/>
-                </a:solidFill>
-                <a:latin typeface="+mn-lt"/>
-                <a:ea typeface="+mn-ea"/>
-                <a:cs typeface="+mn-cs"/>
-              </a:defRPr>
-            </a:lvl3pPr>
-            <a:lvl4pPr marL="1371600" indent="0" algn="ctr" defTabSz="914400" rtl="0" eaLnBrk="1" latinLnBrk="0" hangingPunct="1">
-              <a:lnSpc>
-                <a:spcPct val="90000"/>
-              </a:lnSpc>
-              <a:spcBef>
-                <a:spcPts val="500"/>
-              </a:spcBef>
-              <a:buFont typeface="Arial" panose="020B0604020202020204" pitchFamily="34" charset="0"/>
-              <a:buNone/>
-              <a:defRPr sz="1600" kern="1200">
-                <a:solidFill>
-                  <a:schemeClr val="tx1"/>
-                </a:solidFill>
-                <a:latin typeface="+mn-lt"/>
-                <a:ea typeface="+mn-ea"/>
-                <a:cs typeface="+mn-cs"/>
-              </a:defRPr>
-            </a:lvl4pPr>
-            <a:lvl5pPr marL="1828800" indent="0" algn="ctr" defTabSz="914400" rtl="0" eaLnBrk="1" latinLnBrk="0" hangingPunct="1">
-              <a:lnSpc>
-                <a:spcPct val="90000"/>
-              </a:lnSpc>
-              <a:spcBef>
-                <a:spcPts val="500"/>
-              </a:spcBef>
-              <a:buFont typeface="Arial" panose="020B0604020202020204" pitchFamily="34" charset="0"/>
-              <a:buNone/>
-              <a:defRPr sz="1600" kern="1200">
-                <a:solidFill>
-                  <a:schemeClr val="tx1"/>
-                </a:solidFill>
-                <a:latin typeface="+mn-lt"/>
-                <a:ea typeface="+mn-ea"/>
-                <a:cs typeface="+mn-cs"/>
-              </a:defRPr>
-            </a:lvl5pPr>
-            <a:lvl6pPr marL="2286000" indent="0" algn="ctr" defTabSz="914400" rtl="0" eaLnBrk="1" latinLnBrk="0" hangingPunct="1">
-              <a:lnSpc>
-                <a:spcPct val="90000"/>
-              </a:lnSpc>
-              <a:spcBef>
-                <a:spcPts val="500"/>
-              </a:spcBef>
-              <a:buFont typeface="Arial" panose="020B0604020202020204" pitchFamily="34" charset="0"/>
-              <a:buNone/>
-              <a:defRPr sz="1600" kern="1200">
-                <a:solidFill>
-                  <a:schemeClr val="tx1"/>
-                </a:solidFill>
-                <a:latin typeface="+mn-lt"/>
-                <a:ea typeface="+mn-ea"/>
-                <a:cs typeface="+mn-cs"/>
-              </a:defRPr>
-            </a:lvl6pPr>
-            <a:lvl7pPr marL="2743200" indent="0" algn="ctr" defTabSz="914400" rtl="0" eaLnBrk="1" latinLnBrk="0" hangingPunct="1">
-              <a:lnSpc>
-                <a:spcPct val="90000"/>
-              </a:lnSpc>
-              <a:spcBef>
-                <a:spcPts val="500"/>
-              </a:spcBef>
-              <a:buFont typeface="Arial" panose="020B0604020202020204" pitchFamily="34" charset="0"/>
-              <a:buNone/>
-              <a:defRPr sz="1600" kern="1200">
-                <a:solidFill>
-                  <a:schemeClr val="tx1"/>
-                </a:solidFill>
-                <a:latin typeface="+mn-lt"/>
-                <a:ea typeface="+mn-ea"/>
-                <a:cs typeface="+mn-cs"/>
-              </a:defRPr>
-            </a:lvl7pPr>
-            <a:lvl8pPr marL="3200400" indent="0" algn="ctr" defTabSz="914400" rtl="0" eaLnBrk="1" latinLnBrk="0" hangingPunct="1">
-              <a:lnSpc>
-                <a:spcPct val="90000"/>
-              </a:lnSpc>
-              <a:spcBef>
-                <a:spcPts val="500"/>
-              </a:spcBef>
-              <a:buFont typeface="Arial" panose="020B0604020202020204" pitchFamily="34" charset="0"/>
-              <a:buNone/>
-              <a:defRPr sz="1600" kern="1200">
-                <a:solidFill>
-                  <a:schemeClr val="tx1"/>
-                </a:solidFill>
-                <a:latin typeface="+mn-lt"/>
-                <a:ea typeface="+mn-ea"/>
-                <a:cs typeface="+mn-cs"/>
-              </a:defRPr>
-            </a:lvl8pPr>
-            <a:lvl9pPr marL="3657600" indent="0" algn="ctr" defTabSz="914400" rtl="0" eaLnBrk="1" latinLnBrk="0" hangingPunct="1">
-              <a:lnSpc>
-                <a:spcPct val="90000"/>
-              </a:lnSpc>
-              <a:spcBef>
-                <a:spcPts val="500"/>
-              </a:spcBef>
-              <a:buFont typeface="Arial" panose="020B0604020202020204" pitchFamily="34" charset="0"/>
-              <a:buNone/>
-              <a:defRPr sz="1600" kern="1200">
-                <a:solidFill>
-                  <a:schemeClr val="tx1"/>
-                </a:solidFill>
-                <a:latin typeface="+mn-lt"/>
-                <a:ea typeface="+mn-ea"/>
-                <a:cs typeface="+mn-cs"/>
-              </a:defRPr>
-            </a:lvl9pPr>
-          </a:lstStyle>
-          <a:p>
-            <a:pPr marL="342900" indent="-342900" algn="l">
-              <a:buFont typeface="Arial" panose="020B0604020202020204" pitchFamily="34" charset="0"/>
-              <a:buChar char="•"/>
-            </a:pPr>
-            <a:r>
-              <a:rPr lang="en-US" dirty="0">
-                <a:solidFill>
-                  <a:schemeClr val="bg1"/>
-                </a:solidFill>
-              </a:rPr>
-              <a:t>Claude Comair</a:t>
-            </a:r>
-          </a:p>
-          <a:p>
-            <a:pPr marL="342900" indent="-342900" algn="l">
-              <a:buFont typeface="Arial" panose="020B0604020202020204" pitchFamily="34" charset="0"/>
-              <a:buChar char="•"/>
-            </a:pPr>
-            <a:r>
-              <a:rPr lang="en-US" dirty="0">
-                <a:solidFill>
-                  <a:schemeClr val="bg1"/>
-                </a:solidFill>
-              </a:rPr>
-              <a:t>Raymond Yan</a:t>
-            </a:r>
-          </a:p>
-          <a:p>
-            <a:pPr marL="342900" indent="-342900" algn="l">
-              <a:buFont typeface="Arial" panose="020B0604020202020204" pitchFamily="34" charset="0"/>
-              <a:buChar char="•"/>
-            </a:pPr>
-            <a:r>
-              <a:rPr lang="en-US" dirty="0">
-                <a:solidFill>
-                  <a:schemeClr val="bg1"/>
-                </a:solidFill>
-              </a:rPr>
-              <a:t>Michelle Yan</a:t>
-            </a:r>
-          </a:p>
-          <a:p>
-            <a:pPr marL="342900" indent="-342900" algn="l">
-              <a:buFont typeface="Arial" panose="020B0604020202020204" pitchFamily="34" charset="0"/>
-              <a:buChar char="•"/>
-            </a:pPr>
-            <a:r>
-              <a:rPr lang="en-US" dirty="0">
-                <a:solidFill>
-                  <a:schemeClr val="bg1"/>
-                </a:solidFill>
-              </a:rPr>
-              <a:t>Jeffrey </a:t>
-            </a:r>
-            <a:r>
-              <a:rPr lang="en-US" dirty="0" err="1">
-                <a:solidFill>
-                  <a:schemeClr val="bg1"/>
-                </a:solidFill>
-              </a:rPr>
-              <a:t>Kumley</a:t>
-            </a:r>
-            <a:endParaRPr lang="en-US" dirty="0">
-              <a:solidFill>
-                <a:schemeClr val="bg1"/>
-              </a:solidFill>
-            </a:endParaRPr>
-          </a:p>
-          <a:p>
-            <a:pPr marL="342900" indent="-342900" algn="l">
-              <a:buFont typeface="Arial" panose="020B0604020202020204" pitchFamily="34" charset="0"/>
-              <a:buChar char="•"/>
-            </a:pPr>
-            <a:r>
-              <a:rPr lang="en-US" dirty="0">
-                <a:solidFill>
-                  <a:schemeClr val="bg1"/>
-                </a:solidFill>
-              </a:rPr>
-              <a:t>Oden Ocampo</a:t>
-            </a:r>
-          </a:p>
-          <a:p>
-            <a:pPr marL="342900" indent="-342900" algn="l">
-              <a:buFont typeface="Arial" panose="020B0604020202020204" pitchFamily="34" charset="0"/>
-              <a:buChar char="•"/>
-            </a:pPr>
-            <a:r>
-              <a:rPr lang="en-US" dirty="0">
-                <a:solidFill>
-                  <a:schemeClr val="bg1"/>
-                </a:solidFill>
-              </a:rPr>
-              <a:t>Doug Zwick</a:t>
-            </a:r>
-          </a:p>
-          <a:p>
-            <a:pPr marL="342900" indent="-342900" algn="l">
-              <a:buFont typeface="Arial" panose="020B0604020202020204" pitchFamily="34" charset="0"/>
-              <a:buChar char="•"/>
-            </a:pPr>
-            <a:r>
-              <a:rPr lang="en-US" dirty="0">
-                <a:solidFill>
-                  <a:schemeClr val="bg1"/>
-                </a:solidFill>
-              </a:rPr>
-              <a:t>Chris </a:t>
-            </a:r>
-            <a:r>
-              <a:rPr lang="en-US" dirty="0" err="1">
-                <a:solidFill>
-                  <a:schemeClr val="bg1"/>
-                </a:solidFill>
-              </a:rPr>
-              <a:t>Onorati</a:t>
-            </a:r>
-            <a:endParaRPr lang="en-US" dirty="0">
-              <a:solidFill>
-                <a:schemeClr val="bg1"/>
-              </a:solidFill>
-            </a:endParaRPr>
-          </a:p>
-          <a:p>
-            <a:pPr marL="342900" indent="-342900" algn="l">
-              <a:buFont typeface="Arial" panose="020B0604020202020204" pitchFamily="34" charset="0"/>
-              <a:buChar char="•"/>
-            </a:pPr>
-            <a:r>
-              <a:rPr lang="en-US" dirty="0">
-                <a:solidFill>
-                  <a:schemeClr val="bg1"/>
-                </a:solidFill>
-              </a:rPr>
-              <a:t>Samir </a:t>
-            </a:r>
-            <a:r>
-              <a:rPr lang="en-US" dirty="0" err="1">
-                <a:solidFill>
-                  <a:schemeClr val="bg1"/>
-                </a:solidFill>
-              </a:rPr>
-              <a:t>Abou</a:t>
-            </a:r>
-            <a:r>
-              <a:rPr lang="en-US" dirty="0">
-                <a:solidFill>
-                  <a:schemeClr val="bg1"/>
-                </a:solidFill>
-              </a:rPr>
-              <a:t> Samra</a:t>
-            </a:r>
-          </a:p>
-          <a:p>
-            <a:pPr marL="342900" indent="-342900" algn="l">
-              <a:buFont typeface="Arial" panose="020B0604020202020204" pitchFamily="34" charset="0"/>
-              <a:buChar char="•"/>
-            </a:pPr>
-            <a:r>
-              <a:rPr lang="en-US" dirty="0">
-                <a:solidFill>
-                  <a:schemeClr val="bg1"/>
-                </a:solidFill>
-              </a:rPr>
-              <a:t>Vince Espino</a:t>
-            </a:r>
-          </a:p>
-          <a:p>
-            <a:pPr marL="342900" indent="-342900" algn="l">
-              <a:buFont typeface="Arial" panose="020B0604020202020204" pitchFamily="34" charset="0"/>
-              <a:buChar char="•"/>
-            </a:pPr>
-            <a:r>
-              <a:rPr lang="en-US" dirty="0">
-                <a:solidFill>
-                  <a:schemeClr val="bg1"/>
-                </a:solidFill>
-              </a:rPr>
-              <a:t>Grace Howard</a:t>
+              <a:t>Post Mortem</a:t>
             </a:r>
           </a:p>
         </p:txBody>
@@ -5583,7 +5173,7 @@
                                           </p:stCondLst>
                                         </p:cTn>
                                         <p:tgtEl>
-                                          <p:spTgt spid="12"/>
+                                          <p:spTgt spid="2"/>
                                         </p:tgtEl>
                                         <p:attrNameLst>
                                           <p:attrName>style.visibility</p:attrName>
@@ -5597,42 +5187,7 @@
                                       <p:cBhvr>
                                         <p:cTn id="75" dur="500"/>
                                         <p:tgtEl>
-                                          <p:spTgt spid="12"/>
-                                        </p:tgtEl>
-                                      </p:cBhvr>
-                                    </p:animEffect>
-                                  </p:childTnLst>
-                                </p:cTn>
-                              </p:par>
-                              <p:par>
-                                <p:cTn id="76" presetID="10" presetClass="entr" presetSubtype="0" fill="hold" grpId="0" nodeType="withEffect">
-                                  <p:stCondLst>
-                                    <p:cond delay="0"/>
-                                  </p:stCondLst>
-                                  <p:childTnLst>
-                                    <p:set>
-                                      <p:cBhvr>
-                                        <p:cTn id="77" dur="1" fill="hold">
-                                          <p:stCondLst>
-                                            <p:cond delay="0"/>
-                                          </p:stCondLst>
-                                        </p:cTn>
-                                        <p:tgtEl>
-                                          <p:spTgt spid="13"/>
-                                        </p:tgtEl>
-                                        <p:attrNameLst>
-                                          <p:attrName>style.visibility</p:attrName>
-                                        </p:attrNameLst>
-                                      </p:cBhvr>
-                                      <p:to>
-                                        <p:strVal val="visible"/>
-                                      </p:to>
-                                    </p:set>
-                                    <p:animEffect transition="in" filter="fade">
-                                      <p:cBhvr>
-                                        <p:cTn id="78" dur="500"/>
-                                        <p:tgtEl>
-                                          <p:spTgt spid="13"/>
+                                          <p:spTgt spid="2"/>
                                         </p:tgtEl>
                                       </p:cBhvr>
                                     </p:animEffect>
@@ -5646,75 +5201,40 @@
                     </p:cTn>
                   </p:par>
                   <p:par>
-                    <p:cTn id="79" fill="hold">
+                    <p:cTn id="76" fill="hold">
                       <p:stCondLst>
                         <p:cond delay="indefinite"/>
                       </p:stCondLst>
                       <p:childTnLst>
                         <p:par>
-                          <p:cTn id="80" fill="hold">
+                          <p:cTn id="77" fill="hold">
                             <p:stCondLst>
                               <p:cond delay="0"/>
                             </p:stCondLst>
                             <p:childTnLst>
                               <p:par>
-                                <p:cTn id="81" presetID="10" presetClass="exit" presetSubtype="0" fill="hold" grpId="1" nodeType="clickEffect">
+                                <p:cTn id="78" presetID="10" presetClass="exit" presetSubtype="0" fill="hold" grpId="1" nodeType="clickEffect">
                                   <p:stCondLst>
                                     <p:cond delay="0"/>
                                   </p:stCondLst>
                                   <p:childTnLst>
                                     <p:animEffect transition="out" filter="fade">
                                       <p:cBhvr>
-                                        <p:cTn id="82" dur="500"/>
+                                        <p:cTn id="79" dur="500"/>
                                         <p:tgtEl>
-                                          <p:spTgt spid="12"/>
+                                          <p:spTgt spid="2"/>
                                         </p:tgtEl>
                                       </p:cBhvr>
                                     </p:animEffect>
                                     <p:set>
                                       <p:cBhvr>
-                                        <p:cTn id="83" dur="1" fill="hold">
+                                        <p:cTn id="80" dur="1" fill="hold">
                                           <p:stCondLst>
                                             <p:cond delay="499"/>
                                           </p:stCondLst>
                                         </p:cTn>
                                         <p:tgtEl>
-                                          <p:spTgt spid="12"/>
-                                        </p:tgtEl>
-                                        <p:attrNameLst>
-                                          <p:attrName>style.visibility</p:attrName>
-                                        </p:attrNameLst>
-                                      </p:cBhvr>
-                                      <p:to>
-                                        <p:strVal val="hidden"/>
-                                      </p:to>
-                                    </p:set>
-                                  </p:childTnLst>
-                                </p:cTn>
-                              </p:par>
-                              <p:par>
-                                <p:cTn id="84" presetID="10" presetClass="exit" presetSubtype="0" fill="hold" grpId="1" nodeType="withEffect">
-                                  <p:stCondLst>
-                                    <p:cond delay="0"/>
-                                  </p:stCondLst>
-                                  <p:childTnLst>
-                                    <p:animEffect transition="out" filter="fade">
-                                      <p:cBhvr>
-                                        <p:cTn id="85" dur="500"/>
-                                        <p:tgtEl>
-                                          <p:spTgt spid="13"/>
-                                        </p:tgtEl>
-                                      </p:cBhvr>
-                                    </p:animEffect>
-                                    <p:set>
-                                      <p:cBhvr>
-                                        <p:cTn id="86" dur="1" fill="hold">
-                                          <p:stCondLst>
-                                            <p:cond delay="499"/>
-                                          </p:stCondLst>
-                                        </p:cTn>
-                                        <p:tgtEl>
-                                          <p:spTgt spid="13"/>
+                                          <p:spTgt spid="2"/>
                                         </p:tgtEl>
                                         <p:attrNameLst>
                                           <p:attrName>style.visibility</p:attrName>
@@ -5767,50 +5287,10 @@
       <p:bldP spid="10" grpId="1"/>
       <p:bldP spid="11" grpId="0"/>
       <p:bldP spid="11" grpId="1"/>
-      <p:bldP spid="12" grpId="0"/>
-      <p:bldP spid="12" grpId="1"/>
-      <p:bldP spid="13" grpId="0"/>
-      <p:bldP spid="13" grpId="1"/>
+      <p:bldP spid="2" grpId="0"/>
+      <p:bldP spid="2" grpId="1"/>
     </p:bldLst>
   </p:timing>
-</p:sld>
-</file>
-
-<file path=ppt/slides/slide2.xml><?xml version="1.0" encoding="utf-8"?>
-<p:sld xmlns:a="http://schemas.openxmlformats.org/drawingml/2006/main" xmlns:r="http://schemas.openxmlformats.org/officeDocument/2006/relationships" xmlns:p="http://schemas.openxmlformats.org/presentationml/2006/main">
-  <p:cSld>
-    <p:bg>
-      <p:bgPr>
-        <a:solidFill>
-          <a:schemeClr val="tx1"/>
-        </a:solidFill>
-        <a:effectLst/>
-      </p:bgPr>
-    </p:bg>
-    <p:spTree>
-      <p:nvGrpSpPr>
-        <p:cNvPr id="1" name=""/>
-        <p:cNvGrpSpPr/>
-        <p:nvPr/>
-      </p:nvGrpSpPr>
-      <p:grpSpPr>
-        <a:xfrm>
-          <a:off x="0" y="0"/>
-          <a:ext cx="0" cy="0"/>
-          <a:chOff x="0" y="0"/>
-          <a:chExt cx="0" cy="0"/>
-        </a:xfrm>
-      </p:grpSpPr>
-    </p:spTree>
-    <p:extLst>
-      <p:ext uri="{BB962C8B-B14F-4D97-AF65-F5344CB8AC3E}">
-        <p14:creationId xmlns:p14="http://schemas.microsoft.com/office/powerpoint/2010/main" val="795470477"/>
-      </p:ext>
-    </p:extLst>
-  </p:cSld>
-  <p:clrMapOvr>
-    <a:masterClrMapping/>
-  </p:clrMapOvr>
 </p:sld>
 </file>
 
